--- a/Module 4 - Legacy Code.pptx
+++ b/Module 4 - Legacy Code.pptx
@@ -5,7 +5,7 @@
     <p:sldMasterId id="2147483648" r:id="rId1"/>
   </p:sldMasterIdLst>
   <p:notesMasterIdLst>
-    <p:notesMasterId r:id="rId15"/>
+    <p:notesMasterId r:id="rId18"/>
   </p:notesMasterIdLst>
   <p:sldIdLst>
     <p:sldId id="256" r:id="rId2"/>
@@ -20,7 +20,10 @@
     <p:sldId id="298" r:id="rId11"/>
     <p:sldId id="299" r:id="rId12"/>
     <p:sldId id="296" r:id="rId13"/>
-    <p:sldId id="295" r:id="rId14"/>
+    <p:sldId id="304" r:id="rId14"/>
+    <p:sldId id="302" r:id="rId15"/>
+    <p:sldId id="305" r:id="rId16"/>
+    <p:sldId id="295" r:id="rId17"/>
   </p:sldIdLst>
   <p:sldSz cx="9144000" cy="6858000" type="screen4x3"/>
   <p:notesSz cx="6858000" cy="9144000"/>
@@ -220,7 +223,7 @@
           <a:p>
             <a:fld id="{67773CF2-9D3B-4AA9-832B-968C6A53CE3B}" type="datetimeFigureOut">
               <a:rPr lang="en-US" smtClean="0"/>
-              <a:t>7/12/2025</a:t>
+              <a:t>7/16/2025</a:t>
             </a:fld>
             <a:endParaRPr lang="en-US"/>
           </a:p>
@@ -1068,7 +1071,7 @@
           <a:p>
             <a:fld id="{C83F6DC5-1049-46C3-9CC2-51A933231ED5}" type="slidenum">
               <a:rPr lang="en-US" smtClean="0"/>
-              <a:t>13</a:t>
+              <a:t>16</a:t>
             </a:fld>
             <a:endParaRPr lang="en-US"/>
           </a:p>
@@ -1266,7 +1269,7 @@
           <a:p>
             <a:fld id="{543982D4-381D-4B7B-A1A5-B3B6E72EF21D}" type="datetimeFigureOut">
               <a:rPr lang="en-US" smtClean="0"/>
-              <a:t>7/12/2025</a:t>
+              <a:t>7/16/2025</a:t>
             </a:fld>
             <a:endParaRPr lang="en-US"/>
           </a:p>
@@ -1434,7 +1437,7 @@
           <a:p>
             <a:fld id="{543982D4-381D-4B7B-A1A5-B3B6E72EF21D}" type="datetimeFigureOut">
               <a:rPr lang="en-US" smtClean="0"/>
-              <a:t>7/12/2025</a:t>
+              <a:t>7/16/2025</a:t>
             </a:fld>
             <a:endParaRPr lang="en-US"/>
           </a:p>
@@ -1612,7 +1615,7 @@
           <a:p>
             <a:fld id="{543982D4-381D-4B7B-A1A5-B3B6E72EF21D}" type="datetimeFigureOut">
               <a:rPr lang="en-US" smtClean="0"/>
-              <a:t>7/12/2025</a:t>
+              <a:t>7/16/2025</a:t>
             </a:fld>
             <a:endParaRPr lang="en-US"/>
           </a:p>
@@ -1780,7 +1783,7 @@
           <a:p>
             <a:fld id="{543982D4-381D-4B7B-A1A5-B3B6E72EF21D}" type="datetimeFigureOut">
               <a:rPr lang="en-US" smtClean="0"/>
-              <a:t>7/12/2025</a:t>
+              <a:t>7/16/2025</a:t>
             </a:fld>
             <a:endParaRPr lang="en-US"/>
           </a:p>
@@ -2095,7 +2098,7 @@
           <a:p>
             <a:fld id="{543982D4-381D-4B7B-A1A5-B3B6E72EF21D}" type="datetimeFigureOut">
               <a:rPr lang="en-US" smtClean="0"/>
-              <a:t>7/12/2025</a:t>
+              <a:t>7/16/2025</a:t>
             </a:fld>
             <a:endParaRPr lang="en-US"/>
           </a:p>
@@ -2380,7 +2383,7 @@
           <a:p>
             <a:fld id="{543982D4-381D-4B7B-A1A5-B3B6E72EF21D}" type="datetimeFigureOut">
               <a:rPr lang="en-US" smtClean="0"/>
-              <a:t>7/12/2025</a:t>
+              <a:t>7/16/2025</a:t>
             </a:fld>
             <a:endParaRPr lang="en-US"/>
           </a:p>
@@ -2799,7 +2802,7 @@
           <a:p>
             <a:fld id="{543982D4-381D-4B7B-A1A5-B3B6E72EF21D}" type="datetimeFigureOut">
               <a:rPr lang="en-US" smtClean="0"/>
-              <a:t>7/12/2025</a:t>
+              <a:t>7/16/2025</a:t>
             </a:fld>
             <a:endParaRPr lang="en-US"/>
           </a:p>
@@ -2916,7 +2919,7 @@
           <a:p>
             <a:fld id="{543982D4-381D-4B7B-A1A5-B3B6E72EF21D}" type="datetimeFigureOut">
               <a:rPr lang="en-US" smtClean="0"/>
-              <a:t>7/12/2025</a:t>
+              <a:t>7/16/2025</a:t>
             </a:fld>
             <a:endParaRPr lang="en-US"/>
           </a:p>
@@ -3011,7 +3014,7 @@
           <a:p>
             <a:fld id="{543982D4-381D-4B7B-A1A5-B3B6E72EF21D}" type="datetimeFigureOut">
               <a:rPr lang="en-US" smtClean="0"/>
-              <a:t>7/12/2025</a:t>
+              <a:t>7/16/2025</a:t>
             </a:fld>
             <a:endParaRPr lang="en-US"/>
           </a:p>
@@ -3286,7 +3289,7 @@
           <a:p>
             <a:fld id="{543982D4-381D-4B7B-A1A5-B3B6E72EF21D}" type="datetimeFigureOut">
               <a:rPr lang="en-US" smtClean="0"/>
-              <a:t>7/12/2025</a:t>
+              <a:t>7/16/2025</a:t>
             </a:fld>
             <a:endParaRPr lang="en-US"/>
           </a:p>
@@ -3538,7 +3541,7 @@
           <a:p>
             <a:fld id="{543982D4-381D-4B7B-A1A5-B3B6E72EF21D}" type="datetimeFigureOut">
               <a:rPr lang="en-US" smtClean="0"/>
-              <a:t>7/12/2025</a:t>
+              <a:t>7/16/2025</a:t>
             </a:fld>
             <a:endParaRPr lang="en-US"/>
           </a:p>
@@ -3749,7 +3752,7 @@
           <a:p>
             <a:fld id="{543982D4-381D-4B7B-A1A5-B3B6E72EF21D}" type="datetimeFigureOut">
               <a:rPr lang="en-US" smtClean="0"/>
-              <a:t>7/12/2025</a:t>
+              <a:t>7/16/2025</a:t>
             </a:fld>
             <a:endParaRPr lang="en-US"/>
           </a:p>
@@ -4382,7 +4385,7 @@
             </a:r>
             <a:r>
               <a:rPr lang="fr-FR" dirty="0"/>
-              <a:t> can the new code.</a:t>
+              <a:t> can call the new code.</a:t>
             </a:r>
           </a:p>
           <a:p>
@@ -4979,6 +4982,292 @@
 </file>
 
 <file path=ppt/slides/slide13.xml><?xml version="1.0" encoding="utf-8"?>
+<p:sld xmlns:a="http://schemas.openxmlformats.org/drawingml/2006/main" xmlns:r="http://schemas.openxmlformats.org/officeDocument/2006/relationships" xmlns:p="http://schemas.openxmlformats.org/presentationml/2006/main">
+  <p:cSld>
+    <p:spTree>
+      <p:nvGrpSpPr>
+        <p:cNvPr id="1" name="">
+          <a:extLst>
+            <a:ext uri="{FF2B5EF4-FFF2-40B4-BE49-F238E27FC236}">
+              <a16:creationId xmlns:a16="http://schemas.microsoft.com/office/drawing/2014/main" id="{7DB00620-D4EB-93F0-0FDB-D6F2FBA5E16B}"/>
+            </a:ext>
+          </a:extLst>
+        </p:cNvPr>
+        <p:cNvGrpSpPr/>
+        <p:nvPr/>
+      </p:nvGrpSpPr>
+      <p:grpSpPr>
+        <a:xfrm>
+          <a:off x="0" y="0"/>
+          <a:ext cx="0" cy="0"/>
+          <a:chOff x="0" y="0"/>
+          <a:chExt cx="0" cy="0"/>
+        </a:xfrm>
+      </p:grpSpPr>
+      <p:pic>
+        <p:nvPicPr>
+          <p:cNvPr id="5" name="Picture 4">
+            <a:extLst>
+              <a:ext uri="{FF2B5EF4-FFF2-40B4-BE49-F238E27FC236}">
+                <a16:creationId xmlns:a16="http://schemas.microsoft.com/office/drawing/2014/main" id="{4339DD64-A064-E0B6-62FE-5523ABD1C188}"/>
+              </a:ext>
+            </a:extLst>
+          </p:cNvPr>
+          <p:cNvPicPr>
+            <a:picLocks noChangeAspect="1"/>
+          </p:cNvPicPr>
+          <p:nvPr/>
+        </p:nvPicPr>
+        <p:blipFill>
+          <a:blip r:embed="rId2"/>
+          <a:stretch>
+            <a:fillRect/>
+          </a:stretch>
+        </p:blipFill>
+        <p:spPr>
+          <a:xfrm>
+            <a:off x="0" y="1676400"/>
+            <a:ext cx="9144000" cy="4655436"/>
+          </a:xfrm>
+          <a:prstGeom prst="rect">
+            <a:avLst/>
+          </a:prstGeom>
+        </p:spPr>
+      </p:pic>
+      <p:sp>
+        <p:nvSpPr>
+          <p:cNvPr id="8" name="Title 7">
+            <a:extLst>
+              <a:ext uri="{FF2B5EF4-FFF2-40B4-BE49-F238E27FC236}">
+                <a16:creationId xmlns:a16="http://schemas.microsoft.com/office/drawing/2014/main" id="{7CB9E43E-3372-901F-897B-7E4DC90DE634}"/>
+              </a:ext>
+            </a:extLst>
+          </p:cNvPr>
+          <p:cNvSpPr>
+            <a:spLocks noGrp="1"/>
+          </p:cNvSpPr>
+          <p:nvPr>
+            <p:ph type="title"/>
+          </p:nvPr>
+        </p:nvSpPr>
+        <p:spPr/>
+        <p:txBody>
+          <a:bodyPr/>
+          <a:lstStyle/>
+          <a:p>
+            <a:r>
+              <a:rPr lang="en-US" dirty="0"/>
+              <a:t>Inject an </a:t>
+            </a:r>
+            <a:r>
+              <a:rPr lang="en-US" dirty="0" err="1"/>
+              <a:t>ILogger</a:t>
+            </a:r>
+            <a:endParaRPr lang="en-US" dirty="0"/>
+          </a:p>
+        </p:txBody>
+      </p:sp>
+    </p:spTree>
+    <p:extLst>
+      <p:ext uri="{BB962C8B-B14F-4D97-AF65-F5344CB8AC3E}">
+        <p14:creationId xmlns:p14="http://schemas.microsoft.com/office/powerpoint/2010/main" val="3794294856"/>
+      </p:ext>
+    </p:extLst>
+  </p:cSld>
+  <p:clrMapOvr>
+    <a:masterClrMapping/>
+  </p:clrMapOvr>
+</p:sld>
+</file>
+
+<file path=ppt/slides/slide14.xml><?xml version="1.0" encoding="utf-8"?>
+<p:sld xmlns:a="http://schemas.openxmlformats.org/drawingml/2006/main" xmlns:r="http://schemas.openxmlformats.org/officeDocument/2006/relationships" xmlns:p="http://schemas.openxmlformats.org/presentationml/2006/main">
+  <p:cSld>
+    <p:spTree>
+      <p:nvGrpSpPr>
+        <p:cNvPr id="1" name=""/>
+        <p:cNvGrpSpPr/>
+        <p:nvPr/>
+      </p:nvGrpSpPr>
+      <p:grpSpPr>
+        <a:xfrm>
+          <a:off x="0" y="0"/>
+          <a:ext cx="0" cy="0"/>
+          <a:chOff x="0" y="0"/>
+          <a:chExt cx="0" cy="0"/>
+        </a:xfrm>
+      </p:grpSpPr>
+      <p:sp>
+        <p:nvSpPr>
+          <p:cNvPr id="4" name="Title 3">
+            <a:extLst>
+              <a:ext uri="{FF2B5EF4-FFF2-40B4-BE49-F238E27FC236}">
+                <a16:creationId xmlns:a16="http://schemas.microsoft.com/office/drawing/2014/main" id="{952B8D0D-F308-26D3-33BA-13A919D95AE0}"/>
+              </a:ext>
+            </a:extLst>
+          </p:cNvPr>
+          <p:cNvSpPr>
+            <a:spLocks noGrp="1"/>
+          </p:cNvSpPr>
+          <p:nvPr>
+            <p:ph type="title"/>
+          </p:nvPr>
+        </p:nvSpPr>
+        <p:spPr/>
+        <p:txBody>
+          <a:bodyPr/>
+          <a:lstStyle/>
+          <a:p>
+            <a:r>
+              <a:rPr lang="en-US" dirty="0"/>
+              <a:t>Intercept logs</a:t>
+            </a:r>
+          </a:p>
+        </p:txBody>
+      </p:sp>
+      <p:pic>
+        <p:nvPicPr>
+          <p:cNvPr id="7" name="Picture 6">
+            <a:extLst>
+              <a:ext uri="{FF2B5EF4-FFF2-40B4-BE49-F238E27FC236}">
+                <a16:creationId xmlns:a16="http://schemas.microsoft.com/office/drawing/2014/main" id="{350A6877-B772-DEDE-F8A4-683E2FE80DD3}"/>
+              </a:ext>
+            </a:extLst>
+          </p:cNvPr>
+          <p:cNvPicPr>
+            <a:picLocks noChangeAspect="1"/>
+          </p:cNvPicPr>
+          <p:nvPr/>
+        </p:nvPicPr>
+        <p:blipFill>
+          <a:blip r:embed="rId2"/>
+          <a:stretch>
+            <a:fillRect/>
+          </a:stretch>
+        </p:blipFill>
+        <p:spPr>
+          <a:xfrm>
+            <a:off x="-6531" y="1752600"/>
+            <a:ext cx="9144000" cy="4610703"/>
+          </a:xfrm>
+          <a:prstGeom prst="rect">
+            <a:avLst/>
+          </a:prstGeom>
+        </p:spPr>
+      </p:pic>
+    </p:spTree>
+    <p:extLst>
+      <p:ext uri="{BB962C8B-B14F-4D97-AF65-F5344CB8AC3E}">
+        <p14:creationId xmlns:p14="http://schemas.microsoft.com/office/powerpoint/2010/main" val="242958739"/>
+      </p:ext>
+    </p:extLst>
+  </p:cSld>
+  <p:clrMapOvr>
+    <a:masterClrMapping/>
+  </p:clrMapOvr>
+</p:sld>
+</file>
+
+<file path=ppt/slides/slide15.xml><?xml version="1.0" encoding="utf-8"?>
+<p:sld xmlns:a="http://schemas.openxmlformats.org/drawingml/2006/main" xmlns:r="http://schemas.openxmlformats.org/officeDocument/2006/relationships" xmlns:p="http://schemas.openxmlformats.org/presentationml/2006/main">
+  <p:cSld>
+    <p:spTree>
+      <p:nvGrpSpPr>
+        <p:cNvPr id="1" name="">
+          <a:extLst>
+            <a:ext uri="{FF2B5EF4-FFF2-40B4-BE49-F238E27FC236}">
+              <a16:creationId xmlns:a16="http://schemas.microsoft.com/office/drawing/2014/main" id="{63635C07-9AA6-C9CA-F279-93B1749097CA}"/>
+            </a:ext>
+          </a:extLst>
+        </p:cNvPr>
+        <p:cNvGrpSpPr/>
+        <p:nvPr/>
+      </p:nvGrpSpPr>
+      <p:grpSpPr>
+        <a:xfrm>
+          <a:off x="0" y="0"/>
+          <a:ext cx="0" cy="0"/>
+          <a:chOff x="0" y="0"/>
+          <a:chExt cx="0" cy="0"/>
+        </a:xfrm>
+      </p:grpSpPr>
+      <p:sp>
+        <p:nvSpPr>
+          <p:cNvPr id="4" name="Title 3">
+            <a:extLst>
+              <a:ext uri="{FF2B5EF4-FFF2-40B4-BE49-F238E27FC236}">
+                <a16:creationId xmlns:a16="http://schemas.microsoft.com/office/drawing/2014/main" id="{3FF89BBB-6592-E4B1-9A85-99071D5C35BB}"/>
+              </a:ext>
+            </a:extLst>
+          </p:cNvPr>
+          <p:cNvSpPr>
+            <a:spLocks noGrp="1"/>
+          </p:cNvSpPr>
+          <p:nvPr>
+            <p:ph type="title"/>
+          </p:nvPr>
+        </p:nvSpPr>
+        <p:spPr/>
+        <p:txBody>
+          <a:bodyPr/>
+          <a:lstStyle/>
+          <a:p>
+            <a:r>
+              <a:rPr lang="en-US" dirty="0"/>
+              <a:t>Record and compare logs</a:t>
+            </a:r>
+          </a:p>
+        </p:txBody>
+      </p:sp>
+      <p:pic>
+        <p:nvPicPr>
+          <p:cNvPr id="3" name="Picture 2">
+            <a:extLst>
+              <a:ext uri="{FF2B5EF4-FFF2-40B4-BE49-F238E27FC236}">
+                <a16:creationId xmlns:a16="http://schemas.microsoft.com/office/drawing/2014/main" id="{C67F6532-E371-524A-EB82-D958FEAA3DC7}"/>
+              </a:ext>
+            </a:extLst>
+          </p:cNvPr>
+          <p:cNvPicPr>
+            <a:picLocks noChangeAspect="1"/>
+          </p:cNvPicPr>
+          <p:nvPr/>
+        </p:nvPicPr>
+        <p:blipFill>
+          <a:blip r:embed="rId2"/>
+          <a:stretch>
+            <a:fillRect/>
+          </a:stretch>
+        </p:blipFill>
+        <p:spPr>
+          <a:xfrm>
+            <a:off x="609600" y="1500018"/>
+            <a:ext cx="7772400" cy="5109470"/>
+          </a:xfrm>
+          <a:prstGeom prst="rect">
+            <a:avLst/>
+          </a:prstGeom>
+          <a:ln w="6350">
+            <a:solidFill>
+              <a:schemeClr val="accent1"/>
+            </a:solidFill>
+          </a:ln>
+        </p:spPr>
+      </p:pic>
+    </p:spTree>
+    <p:extLst>
+      <p:ext uri="{BB962C8B-B14F-4D97-AF65-F5344CB8AC3E}">
+        <p14:creationId xmlns:p14="http://schemas.microsoft.com/office/powerpoint/2010/main" val="1602285109"/>
+      </p:ext>
+    </p:extLst>
+  </p:cSld>
+  <p:clrMapOvr>
+    <a:masterClrMapping/>
+  </p:clrMapOvr>
+</p:sld>
+</file>
+
+<file path=ppt/slides/slide16.xml><?xml version="1.0" encoding="utf-8"?>
 <p:sld xmlns:a="http://schemas.openxmlformats.org/drawingml/2006/main" xmlns:r="http://schemas.openxmlformats.org/officeDocument/2006/relationships" xmlns:p="http://schemas.openxmlformats.org/presentationml/2006/main">
   <p:cSld>
     <p:spTree>
@@ -6713,7 +7002,7 @@
           <a:p>
             <a:r>
               <a:rPr lang="en-US" dirty="0"/>
-              <a:t>There is generally no need, the older it is:</a:t>
+              <a:t>There is generally no need, as it gets older:</a:t>
             </a:r>
           </a:p>
           <a:p>

--- a/Module 4 - Legacy Code.pptx
+++ b/Module 4 - Legacy Code.pptx
@@ -9,21 +9,21 @@
   </p:notesMasterIdLst>
   <p:sldIdLst>
     <p:sldId id="256" r:id="rId2"/>
-    <p:sldId id="277" r:id="rId3"/>
-    <p:sldId id="300" r:id="rId4"/>
-    <p:sldId id="297" r:id="rId5"/>
-    <p:sldId id="291" r:id="rId6"/>
+    <p:sldId id="300" r:id="rId3"/>
+    <p:sldId id="297" r:id="rId4"/>
+    <p:sldId id="291" r:id="rId5"/>
+    <p:sldId id="475" r:id="rId6"/>
     <p:sldId id="294" r:id="rId7"/>
-    <p:sldId id="292" r:id="rId8"/>
-    <p:sldId id="293" r:id="rId9"/>
-    <p:sldId id="301" r:id="rId10"/>
-    <p:sldId id="298" r:id="rId11"/>
-    <p:sldId id="299" r:id="rId12"/>
-    <p:sldId id="296" r:id="rId13"/>
-    <p:sldId id="304" r:id="rId14"/>
-    <p:sldId id="302" r:id="rId15"/>
-    <p:sldId id="305" r:id="rId16"/>
-    <p:sldId id="295" r:id="rId17"/>
+    <p:sldId id="293" r:id="rId8"/>
+    <p:sldId id="301" r:id="rId9"/>
+    <p:sldId id="298" r:id="rId10"/>
+    <p:sldId id="299" r:id="rId11"/>
+    <p:sldId id="296" r:id="rId12"/>
+    <p:sldId id="304" r:id="rId13"/>
+    <p:sldId id="302" r:id="rId14"/>
+    <p:sldId id="305" r:id="rId15"/>
+    <p:sldId id="295" r:id="rId16"/>
+    <p:sldId id="473" r:id="rId17"/>
   </p:sldIdLst>
   <p:sldSz cx="9144000" cy="6858000" type="screen4x3"/>
   <p:notesSz cx="6858000" cy="9144000"/>
@@ -223,7 +223,7 @@
           <a:p>
             <a:fld id="{67773CF2-9D3B-4AA9-832B-968C6A53CE3B}" type="datetimeFigureOut">
               <a:rPr lang="en-US" smtClean="0"/>
-              <a:t>7/16/2025</a:t>
+              <a:t>7/19/2025</a:t>
             </a:fld>
             <a:endParaRPr lang="en-US"/>
           </a:p>
@@ -555,7 +555,7 @@
           <a:p>
             <a:fld id="{C83F6DC5-1049-46C3-9CC2-51A933231ED5}" type="slidenum">
               <a:rPr lang="en-US" smtClean="0"/>
-              <a:t>8</a:t>
+              <a:t>7</a:t>
             </a:fld>
             <a:endParaRPr lang="en-US"/>
           </a:p>
@@ -663,7 +663,7 @@
           <a:p>
             <a:fld id="{C83F6DC5-1049-46C3-9CC2-51A933231ED5}" type="slidenum">
               <a:rPr lang="en-US" smtClean="0"/>
-              <a:t>9</a:t>
+              <a:t>8</a:t>
             </a:fld>
             <a:endParaRPr lang="en-US"/>
           </a:p>
@@ -771,7 +771,7 @@
           <a:p>
             <a:fld id="{C83F6DC5-1049-46C3-9CC2-51A933231ED5}" type="slidenum">
               <a:rPr lang="en-US" smtClean="0"/>
-              <a:t>10</a:t>
+              <a:t>9</a:t>
             </a:fld>
             <a:endParaRPr lang="en-US"/>
           </a:p>
@@ -879,7 +879,7 @@
           <a:p>
             <a:fld id="{C83F6DC5-1049-46C3-9CC2-51A933231ED5}" type="slidenum">
               <a:rPr lang="en-US" smtClean="0"/>
-              <a:t>11</a:t>
+              <a:t>10</a:t>
             </a:fld>
             <a:endParaRPr lang="en-US"/>
           </a:p>
@@ -987,7 +987,7 @@
           <a:p>
             <a:fld id="{C83F6DC5-1049-46C3-9CC2-51A933231ED5}" type="slidenum">
               <a:rPr lang="en-US" smtClean="0"/>
-              <a:t>12</a:t>
+              <a:t>11</a:t>
             </a:fld>
             <a:endParaRPr lang="en-US"/>
           </a:p>
@@ -1071,7 +1071,7 @@
           <a:p>
             <a:fld id="{C83F6DC5-1049-46C3-9CC2-51A933231ED5}" type="slidenum">
               <a:rPr lang="en-US" smtClean="0"/>
-              <a:t>16</a:t>
+              <a:t>15</a:t>
             </a:fld>
             <a:endParaRPr lang="en-US"/>
           </a:p>
@@ -1081,6 +1081,90 @@
     <p:extLst>
       <p:ext uri="{BB962C8B-B14F-4D97-AF65-F5344CB8AC3E}">
         <p14:creationId xmlns:p14="http://schemas.microsoft.com/office/powerpoint/2010/main" val="1094953888"/>
+      </p:ext>
+    </p:extLst>
+  </p:cSld>
+  <p:clrMapOvr>
+    <a:masterClrMapping/>
+  </p:clrMapOvr>
+</p:notes>
+</file>
+
+<file path=ppt/notesSlides/notesSlide7.xml><?xml version="1.0" encoding="utf-8"?>
+<p:notes xmlns:a="http://schemas.openxmlformats.org/drawingml/2006/main" xmlns:r="http://schemas.openxmlformats.org/officeDocument/2006/relationships" xmlns:p="http://schemas.openxmlformats.org/presentationml/2006/main">
+  <p:cSld>
+    <p:spTree>
+      <p:nvGrpSpPr>
+        <p:cNvPr id="1" name=""/>
+        <p:cNvGrpSpPr/>
+        <p:nvPr/>
+      </p:nvGrpSpPr>
+      <p:grpSpPr>
+        <a:xfrm>
+          <a:off x="0" y="0"/>
+          <a:ext cx="0" cy="0"/>
+          <a:chOff x="0" y="0"/>
+          <a:chExt cx="0" cy="0"/>
+        </a:xfrm>
+      </p:grpSpPr>
+      <p:sp>
+        <p:nvSpPr>
+          <p:cNvPr id="2" name="Slide Image Placeholder 1"/>
+          <p:cNvSpPr>
+            <a:spLocks noGrp="1" noRot="1" noChangeAspect="1"/>
+          </p:cNvSpPr>
+          <p:nvPr>
+            <p:ph type="sldImg"/>
+          </p:nvPr>
+        </p:nvSpPr>
+        <p:spPr/>
+      </p:sp>
+      <p:sp>
+        <p:nvSpPr>
+          <p:cNvPr id="3" name="Notes Placeholder 2"/>
+          <p:cNvSpPr>
+            <a:spLocks noGrp="1"/>
+          </p:cNvSpPr>
+          <p:nvPr>
+            <p:ph type="body" idx="1"/>
+          </p:nvPr>
+        </p:nvSpPr>
+        <p:spPr/>
+        <p:txBody>
+          <a:bodyPr/>
+          <a:lstStyle/>
+          <a:p>
+            <a:endParaRPr lang="en-US" dirty="0"/>
+          </a:p>
+        </p:txBody>
+      </p:sp>
+      <p:sp>
+        <p:nvSpPr>
+          <p:cNvPr id="4" name="Slide Number Placeholder 3"/>
+          <p:cNvSpPr>
+            <a:spLocks noGrp="1"/>
+          </p:cNvSpPr>
+          <p:nvPr>
+            <p:ph type="sldNum" sz="quarter" idx="5"/>
+          </p:nvPr>
+        </p:nvSpPr>
+        <p:spPr/>
+        <p:txBody>
+          <a:bodyPr/>
+          <a:lstStyle/>
+          <a:p>
+            <a:fld id="{C83F6DC5-1049-46C3-9CC2-51A933231ED5}" type="slidenum">
+              <a:rPr lang="en-US" smtClean="0"/>
+              <a:t>16</a:t>
+            </a:fld>
+            <a:endParaRPr lang="en-US"/>
+          </a:p>
+        </p:txBody>
+      </p:sp>
+    </p:spTree>
+    <p:extLst>
+      <p:ext uri="{BB962C8B-B14F-4D97-AF65-F5344CB8AC3E}">
+        <p14:creationId xmlns:p14="http://schemas.microsoft.com/office/powerpoint/2010/main" val="1167440925"/>
       </p:ext>
     </p:extLst>
   </p:cSld>
@@ -1269,7 +1353,7 @@
           <a:p>
             <a:fld id="{543982D4-381D-4B7B-A1A5-B3B6E72EF21D}" type="datetimeFigureOut">
               <a:rPr lang="en-US" smtClean="0"/>
-              <a:t>7/16/2025</a:t>
+              <a:t>7/19/2025</a:t>
             </a:fld>
             <a:endParaRPr lang="en-US"/>
           </a:p>
@@ -1437,7 +1521,7 @@
           <a:p>
             <a:fld id="{543982D4-381D-4B7B-A1A5-B3B6E72EF21D}" type="datetimeFigureOut">
               <a:rPr lang="en-US" smtClean="0"/>
-              <a:t>7/16/2025</a:t>
+              <a:t>7/19/2025</a:t>
             </a:fld>
             <a:endParaRPr lang="en-US"/>
           </a:p>
@@ -1615,7 +1699,7 @@
           <a:p>
             <a:fld id="{543982D4-381D-4B7B-A1A5-B3B6E72EF21D}" type="datetimeFigureOut">
               <a:rPr lang="en-US" smtClean="0"/>
-              <a:t>7/16/2025</a:t>
+              <a:t>7/19/2025</a:t>
             </a:fld>
             <a:endParaRPr lang="en-US"/>
           </a:p>
@@ -1783,7 +1867,7 @@
           <a:p>
             <a:fld id="{543982D4-381D-4B7B-A1A5-B3B6E72EF21D}" type="datetimeFigureOut">
               <a:rPr lang="en-US" smtClean="0"/>
-              <a:t>7/16/2025</a:t>
+              <a:t>7/19/2025</a:t>
             </a:fld>
             <a:endParaRPr lang="en-US"/>
           </a:p>
@@ -2098,7 +2182,7 @@
           <a:p>
             <a:fld id="{543982D4-381D-4B7B-A1A5-B3B6E72EF21D}" type="datetimeFigureOut">
               <a:rPr lang="en-US" smtClean="0"/>
-              <a:t>7/16/2025</a:t>
+              <a:t>7/19/2025</a:t>
             </a:fld>
             <a:endParaRPr lang="en-US"/>
           </a:p>
@@ -2383,7 +2467,7 @@
           <a:p>
             <a:fld id="{543982D4-381D-4B7B-A1A5-B3B6E72EF21D}" type="datetimeFigureOut">
               <a:rPr lang="en-US" smtClean="0"/>
-              <a:t>7/16/2025</a:t>
+              <a:t>7/19/2025</a:t>
             </a:fld>
             <a:endParaRPr lang="en-US"/>
           </a:p>
@@ -2802,7 +2886,7 @@
           <a:p>
             <a:fld id="{543982D4-381D-4B7B-A1A5-B3B6E72EF21D}" type="datetimeFigureOut">
               <a:rPr lang="en-US" smtClean="0"/>
-              <a:t>7/16/2025</a:t>
+              <a:t>7/19/2025</a:t>
             </a:fld>
             <a:endParaRPr lang="en-US"/>
           </a:p>
@@ -2919,7 +3003,7 @@
           <a:p>
             <a:fld id="{543982D4-381D-4B7B-A1A5-B3B6E72EF21D}" type="datetimeFigureOut">
               <a:rPr lang="en-US" smtClean="0"/>
-              <a:t>7/16/2025</a:t>
+              <a:t>7/19/2025</a:t>
             </a:fld>
             <a:endParaRPr lang="en-US"/>
           </a:p>
@@ -3014,7 +3098,7 @@
           <a:p>
             <a:fld id="{543982D4-381D-4B7B-A1A5-B3B6E72EF21D}" type="datetimeFigureOut">
               <a:rPr lang="en-US" smtClean="0"/>
-              <a:t>7/16/2025</a:t>
+              <a:t>7/19/2025</a:t>
             </a:fld>
             <a:endParaRPr lang="en-US"/>
           </a:p>
@@ -3289,7 +3373,7 @@
           <a:p>
             <a:fld id="{543982D4-381D-4B7B-A1A5-B3B6E72EF21D}" type="datetimeFigureOut">
               <a:rPr lang="en-US" smtClean="0"/>
-              <a:t>7/16/2025</a:t>
+              <a:t>7/19/2025</a:t>
             </a:fld>
             <a:endParaRPr lang="en-US"/>
           </a:p>
@@ -3541,7 +3625,7 @@
           <a:p>
             <a:fld id="{543982D4-381D-4B7B-A1A5-B3B6E72EF21D}" type="datetimeFigureOut">
               <a:rPr lang="en-US" smtClean="0"/>
-              <a:t>7/16/2025</a:t>
+              <a:t>7/19/2025</a:t>
             </a:fld>
             <a:endParaRPr lang="en-US"/>
           </a:p>
@@ -3752,7 +3836,7 @@
           <a:p>
             <a:fld id="{543982D4-381D-4B7B-A1A5-B3B6E72EF21D}" type="datetimeFigureOut">
               <a:rPr lang="en-US" smtClean="0"/>
-              <a:t>7/16/2025</a:t>
+              <a:t>7/19/2025</a:t>
             </a:fld>
             <a:endParaRPr lang="en-US"/>
           </a:p>
@@ -4152,7 +4236,13 @@
       </p:sp>
       <p:sp>
         <p:nvSpPr>
-          <p:cNvPr id="3" name="Subtitle 2"/>
+          <p:cNvPr id="6" name="Subtitle 2">
+            <a:extLst>
+              <a:ext uri="{FF2B5EF4-FFF2-40B4-BE49-F238E27FC236}">
+                <a16:creationId xmlns:a16="http://schemas.microsoft.com/office/drawing/2014/main" id="{6C9015FF-C16D-12BE-5A72-37E3C5B909F6}"/>
+              </a:ext>
+            </a:extLst>
+          </p:cNvPr>
           <p:cNvSpPr>
             <a:spLocks noGrp="1"/>
           </p:cNvSpPr>
@@ -4160,20 +4250,61 @@
             <p:ph type="subTitle" idx="1"/>
           </p:nvPr>
         </p:nvSpPr>
-        <p:spPr/>
+        <p:spPr>
+          <a:xfrm>
+            <a:off x="1371600" y="4953000"/>
+            <a:ext cx="6400800" cy="838200"/>
+          </a:xfrm>
+        </p:spPr>
         <p:txBody>
           <a:bodyPr/>
           <a:lstStyle/>
           <a:p>
             <a:r>
               <a:rPr lang="en-US" dirty="0"/>
-              <a:t>David </a:t>
-            </a:r>
-            <a:r>
-              <a:rPr lang="en-US" dirty="0" err="1"/>
-              <a:t>Sackstein</a:t>
-            </a:r>
-            <a:endParaRPr lang="en-US" dirty="0"/>
+              <a:t>David Sackstein</a:t>
+            </a:r>
+          </a:p>
+        </p:txBody>
+      </p:sp>
+      <p:sp>
+        <p:nvSpPr>
+          <p:cNvPr id="7" name="TextBox 6">
+            <a:extLst>
+              <a:ext uri="{FF2B5EF4-FFF2-40B4-BE49-F238E27FC236}">
+                <a16:creationId xmlns:a16="http://schemas.microsoft.com/office/drawing/2014/main" id="{A778BE8E-FAD9-0C30-4AE1-BC7B677B0E2F}"/>
+              </a:ext>
+            </a:extLst>
+          </p:cNvPr>
+          <p:cNvSpPr txBox="1"/>
+          <p:nvPr/>
+        </p:nvSpPr>
+        <p:spPr>
+          <a:xfrm>
+            <a:off x="3581400" y="5774267"/>
+            <a:ext cx="1905000" cy="369332"/>
+          </a:xfrm>
+          <a:prstGeom prst="rect">
+            <a:avLst/>
+          </a:prstGeom>
+          <a:noFill/>
+        </p:spPr>
+        <p:txBody>
+          <a:bodyPr wrap="square" rtlCol="0">
+            <a:spAutoFit/>
+          </a:bodyPr>
+          <a:lstStyle/>
+          <a:p>
+            <a:r>
+              <a:rPr lang="en-US" dirty="0">
+                <a:solidFill>
+                  <a:schemeClr val="tx1">
+                    <a:tint val="75000"/>
+                  </a:schemeClr>
+                </a:solidFill>
+              </a:rPr>
+              <a:t>All rights reserved</a:t>
+            </a:r>
           </a:p>
         </p:txBody>
       </p:sp>
@@ -4191,299 +4322,6 @@
 </file>
 
 <file path=ppt/slides/slide10.xml><?xml version="1.0" encoding="utf-8"?>
-<p:sld xmlns:a="http://schemas.openxmlformats.org/drawingml/2006/main" xmlns:r="http://schemas.openxmlformats.org/officeDocument/2006/relationships" xmlns:p="http://schemas.openxmlformats.org/presentationml/2006/main">
-  <p:cSld>
-    <p:spTree>
-      <p:nvGrpSpPr>
-        <p:cNvPr id="1" name="">
-          <a:extLst>
-            <a:ext uri="{FF2B5EF4-FFF2-40B4-BE49-F238E27FC236}">
-              <a16:creationId xmlns:a16="http://schemas.microsoft.com/office/drawing/2014/main" id="{F7F9E1CC-6EFC-7E09-DFF0-3F43E87F47E4}"/>
-            </a:ext>
-          </a:extLst>
-        </p:cNvPr>
-        <p:cNvGrpSpPr/>
-        <p:nvPr/>
-      </p:nvGrpSpPr>
-      <p:grpSpPr>
-        <a:xfrm>
-          <a:off x="0" y="0"/>
-          <a:ext cx="0" cy="0"/>
-          <a:chOff x="0" y="0"/>
-          <a:chExt cx="0" cy="0"/>
-        </a:xfrm>
-      </p:grpSpPr>
-      <p:sp>
-        <p:nvSpPr>
-          <p:cNvPr id="2" name="Title 1">
-            <a:extLst>
-              <a:ext uri="{FF2B5EF4-FFF2-40B4-BE49-F238E27FC236}">
-                <a16:creationId xmlns:a16="http://schemas.microsoft.com/office/drawing/2014/main" id="{472194C9-1D41-2BF5-10EF-31C2D9634B0C}"/>
-              </a:ext>
-            </a:extLst>
-          </p:cNvPr>
-          <p:cNvSpPr>
-            <a:spLocks noGrp="1"/>
-          </p:cNvSpPr>
-          <p:nvPr>
-            <p:ph type="title"/>
-          </p:nvPr>
-        </p:nvSpPr>
-        <p:spPr/>
-        <p:txBody>
-          <a:bodyPr>
-            <a:normAutofit/>
-          </a:bodyPr>
-          <a:lstStyle/>
-          <a:p>
-            <a:r>
-              <a:rPr lang="fr-FR" dirty="0" err="1"/>
-              <a:t>Sprout</a:t>
-            </a:r>
-            <a:r>
-              <a:rPr lang="fr-FR" dirty="0"/>
-              <a:t> Method or </a:t>
-            </a:r>
-            <a:r>
-              <a:rPr lang="fr-FR" dirty="0" err="1"/>
-              <a:t>Sprout</a:t>
-            </a:r>
-            <a:r>
-              <a:rPr lang="fr-FR" dirty="0"/>
-              <a:t> Class</a:t>
-            </a:r>
-          </a:p>
-        </p:txBody>
-      </p:sp>
-      <p:sp>
-        <p:nvSpPr>
-          <p:cNvPr id="3" name="Content Placeholder 2">
-            <a:extLst>
-              <a:ext uri="{FF2B5EF4-FFF2-40B4-BE49-F238E27FC236}">
-                <a16:creationId xmlns:a16="http://schemas.microsoft.com/office/drawing/2014/main" id="{FF9A0F39-F653-DF55-D65B-7525397BEE52}"/>
-              </a:ext>
-            </a:extLst>
-          </p:cNvPr>
-          <p:cNvSpPr>
-            <a:spLocks noGrp="1"/>
-          </p:cNvSpPr>
-          <p:nvPr>
-            <p:ph idx="1"/>
-          </p:nvPr>
-        </p:nvSpPr>
-        <p:spPr/>
-        <p:txBody>
-          <a:bodyPr>
-            <a:normAutofit lnSpcReduction="10000"/>
-          </a:bodyPr>
-          <a:lstStyle/>
-          <a:p>
-            <a:r>
-              <a:rPr lang="fr-FR" dirty="0" err="1"/>
-              <a:t>Create</a:t>
-            </a:r>
-            <a:r>
-              <a:rPr lang="fr-FR" dirty="0"/>
-              <a:t> new </a:t>
-            </a:r>
-            <a:r>
-              <a:rPr lang="fr-FR" dirty="0" err="1"/>
-              <a:t>functionality</a:t>
-            </a:r>
-            <a:r>
-              <a:rPr lang="fr-FR" dirty="0"/>
-              <a:t> in a new </a:t>
-            </a:r>
-            <a:r>
-              <a:rPr lang="fr-FR" dirty="0" err="1"/>
-              <a:t>method</a:t>
-            </a:r>
-            <a:r>
-              <a:rPr lang="fr-FR" dirty="0"/>
-              <a:t> or class.</a:t>
-            </a:r>
-          </a:p>
-          <a:p>
-            <a:r>
-              <a:rPr lang="fr-FR" dirty="0"/>
-              <a:t>Do not copy the style and </a:t>
-            </a:r>
-            <a:r>
-              <a:rPr lang="fr-FR" dirty="0" err="1"/>
-              <a:t>fallacies</a:t>
-            </a:r>
-            <a:r>
-              <a:rPr lang="fr-FR" dirty="0"/>
-              <a:t> of the </a:t>
-            </a:r>
-            <a:r>
-              <a:rPr lang="fr-FR" dirty="0" err="1"/>
-              <a:t>legacy</a:t>
-            </a:r>
-            <a:r>
-              <a:rPr lang="fr-FR" dirty="0"/>
-              <a:t> code. </a:t>
-            </a:r>
-            <a:r>
-              <a:rPr lang="en-US" dirty="0"/>
-              <a:t>Don’t mimic just for consistency.</a:t>
-            </a:r>
-            <a:endParaRPr lang="fr-FR" dirty="0"/>
-          </a:p>
-          <a:p>
-            <a:r>
-              <a:rPr lang="fr-FR" dirty="0" err="1"/>
-              <a:t>Modify</a:t>
-            </a:r>
-            <a:r>
-              <a:rPr lang="fr-FR" dirty="0"/>
-              <a:t> </a:t>
-            </a:r>
-            <a:r>
-              <a:rPr lang="fr-FR" dirty="0" err="1"/>
-              <a:t>just</a:t>
-            </a:r>
-            <a:r>
-              <a:rPr lang="fr-FR" dirty="0"/>
-              <a:t> a few </a:t>
-            </a:r>
-            <a:r>
-              <a:rPr lang="fr-FR" dirty="0" err="1"/>
-              <a:t>lines</a:t>
-            </a:r>
-            <a:r>
-              <a:rPr lang="fr-FR" dirty="0"/>
-              <a:t> </a:t>
-            </a:r>
-            <a:r>
-              <a:rPr lang="fr-FR" dirty="0" err="1"/>
-              <a:t>from</a:t>
-            </a:r>
-            <a:r>
-              <a:rPr lang="fr-FR" dirty="0"/>
-              <a:t> the </a:t>
-            </a:r>
-            <a:r>
-              <a:rPr lang="fr-FR" dirty="0" err="1"/>
-              <a:t>legacy</a:t>
-            </a:r>
-            <a:r>
-              <a:rPr lang="fr-FR" dirty="0"/>
-              <a:t> code </a:t>
-            </a:r>
-            <a:r>
-              <a:rPr lang="fr-FR" dirty="0" err="1"/>
-              <a:t>so</a:t>
-            </a:r>
-            <a:r>
-              <a:rPr lang="fr-FR" dirty="0"/>
-              <a:t> </a:t>
-            </a:r>
-            <a:r>
-              <a:rPr lang="fr-FR" dirty="0" err="1"/>
-              <a:t>it</a:t>
-            </a:r>
-            <a:r>
-              <a:rPr lang="fr-FR" dirty="0"/>
-              <a:t> can call the new code.</a:t>
-            </a:r>
-          </a:p>
-          <a:p>
-            <a:r>
-              <a:rPr lang="fr-FR" dirty="0" err="1"/>
-              <a:t>Demonstrate</a:t>
-            </a:r>
-            <a:r>
-              <a:rPr lang="fr-FR" dirty="0"/>
-              <a:t> in a </a:t>
-            </a:r>
-            <a:r>
-              <a:rPr lang="fr-FR" dirty="0" err="1"/>
-              <a:t>review</a:t>
-            </a:r>
-            <a:r>
-              <a:rPr lang="fr-FR" dirty="0"/>
-              <a:t> </a:t>
-            </a:r>
-            <a:r>
-              <a:rPr lang="fr-FR" dirty="0" err="1"/>
-              <a:t>that</a:t>
-            </a:r>
-            <a:r>
-              <a:rPr lang="fr-FR" dirty="0"/>
-              <a:t> </a:t>
-            </a:r>
-          </a:p>
-          <a:p>
-            <a:pPr lvl="1"/>
-            <a:r>
-              <a:rPr lang="fr-FR" dirty="0"/>
-              <a:t>The changes to the </a:t>
-            </a:r>
-            <a:r>
-              <a:rPr lang="fr-FR" dirty="0" err="1"/>
-              <a:t>existing</a:t>
-            </a:r>
-            <a:r>
-              <a:rPr lang="fr-FR" dirty="0"/>
-              <a:t> code </a:t>
-            </a:r>
-            <a:r>
-              <a:rPr lang="fr-FR" dirty="0" err="1"/>
-              <a:t>were</a:t>
-            </a:r>
-            <a:r>
-              <a:rPr lang="fr-FR" dirty="0"/>
-              <a:t> minimal</a:t>
-            </a:r>
-          </a:p>
-          <a:p>
-            <a:pPr lvl="1"/>
-            <a:r>
-              <a:rPr lang="fr-FR" dirty="0"/>
-              <a:t>The new code </a:t>
-            </a:r>
-            <a:r>
-              <a:rPr lang="fr-FR" dirty="0" err="1"/>
-              <a:t>is</a:t>
-            </a:r>
-            <a:r>
-              <a:rPr lang="fr-FR" dirty="0"/>
-              <a:t> </a:t>
-            </a:r>
-            <a:r>
-              <a:rPr lang="fr-FR" dirty="0" err="1"/>
-              <a:t>well</a:t>
-            </a:r>
-            <a:r>
-              <a:rPr lang="fr-FR" dirty="0"/>
-              <a:t> </a:t>
-            </a:r>
-            <a:r>
-              <a:rPr lang="fr-FR" dirty="0" err="1"/>
-              <a:t>tested</a:t>
-            </a:r>
-            <a:r>
-              <a:rPr lang="fr-FR" dirty="0"/>
-              <a:t>.</a:t>
-            </a:r>
-          </a:p>
-        </p:txBody>
-      </p:sp>
-    </p:spTree>
-    <p:extLst>
-      <p:ext uri="{BB962C8B-B14F-4D97-AF65-F5344CB8AC3E}">
-        <p14:creationId xmlns:p14="http://schemas.microsoft.com/office/powerpoint/2010/main" val="674564074"/>
-      </p:ext>
-    </p:extLst>
-  </p:cSld>
-  <p:clrMapOvr>
-    <a:masterClrMapping/>
-  </p:clrMapOvr>
-</p:sld>
-</file>
-
-<file path=ppt/slides/slide11.xml><?xml version="1.0" encoding="utf-8"?>
 <p:sld xmlns:a="http://schemas.openxmlformats.org/drawingml/2006/main" xmlns:r="http://schemas.openxmlformats.org/officeDocument/2006/relationships" xmlns:p="http://schemas.openxmlformats.org/presentationml/2006/main">
   <p:cSld>
     <p:spTree>
@@ -4560,258 +4398,502 @@
           <a:lstStyle/>
           <a:p>
             <a:r>
-              <a:rPr lang="fr-FR" dirty="0"/>
+              <a:rPr lang="fr-FR" dirty="0">
+                <a:solidFill>
+                  <a:schemeClr val="accent1"/>
+                </a:solidFill>
+              </a:rPr>
               <a:t>The public APIs are not </a:t>
             </a:r>
             <a:r>
-              <a:rPr lang="fr-FR" dirty="0" err="1"/>
+              <a:rPr lang="fr-FR" dirty="0" err="1">
+                <a:solidFill>
+                  <a:schemeClr val="accent1"/>
+                </a:solidFill>
+              </a:rPr>
               <a:t>well-defined</a:t>
             </a:r>
             <a:r>
-              <a:rPr lang="fr-FR" dirty="0"/>
+              <a:rPr lang="fr-FR" dirty="0">
+                <a:solidFill>
+                  <a:schemeClr val="accent1"/>
+                </a:solidFill>
+              </a:rPr>
               <a:t> </a:t>
             </a:r>
             <a:r>
-              <a:rPr lang="fr-FR" dirty="0" err="1"/>
+              <a:rPr lang="fr-FR" dirty="0" err="1">
+                <a:solidFill>
+                  <a:schemeClr val="accent1"/>
+                </a:solidFill>
+              </a:rPr>
               <a:t>so</a:t>
             </a:r>
             <a:r>
-              <a:rPr lang="fr-FR" dirty="0"/>
+              <a:rPr lang="fr-FR" dirty="0">
+                <a:solidFill>
+                  <a:schemeClr val="accent1"/>
+                </a:solidFill>
+              </a:rPr>
               <a:t> </a:t>
             </a:r>
             <a:r>
-              <a:rPr lang="fr-FR" dirty="0" err="1"/>
+              <a:rPr lang="fr-FR" dirty="0" err="1">
+                <a:solidFill>
+                  <a:schemeClr val="accent1"/>
+                </a:solidFill>
+              </a:rPr>
               <a:t>we</a:t>
             </a:r>
             <a:r>
-              <a:rPr lang="fr-FR" dirty="0"/>
+              <a:rPr lang="fr-FR" dirty="0">
+                <a:solidFill>
+                  <a:schemeClr val="accent1"/>
+                </a:solidFill>
+              </a:rPr>
               <a:t> </a:t>
             </a:r>
             <a:r>
-              <a:rPr lang="fr-FR" dirty="0" err="1"/>
+              <a:rPr lang="fr-FR" dirty="0" err="1">
+                <a:solidFill>
+                  <a:schemeClr val="accent1"/>
+                </a:solidFill>
+              </a:rPr>
               <a:t>cannot</a:t>
             </a:r>
             <a:r>
-              <a:rPr lang="fr-FR" dirty="0"/>
+              <a:rPr lang="fr-FR" dirty="0">
+                <a:solidFill>
+                  <a:schemeClr val="accent1"/>
+                </a:solidFill>
+              </a:rPr>
               <a:t> run a test </a:t>
             </a:r>
             <a:r>
-              <a:rPr lang="fr-FR" dirty="0" err="1"/>
+              <a:rPr lang="fr-FR" dirty="0" err="1">
+                <a:solidFill>
+                  <a:schemeClr val="accent1"/>
+                </a:solidFill>
+              </a:rPr>
               <a:t>that</a:t>
             </a:r>
             <a:r>
-              <a:rPr lang="fr-FR" dirty="0"/>
+              <a:rPr lang="fr-FR" dirty="0">
+                <a:solidFill>
+                  <a:schemeClr val="accent1"/>
+                </a:solidFill>
+              </a:rPr>
               <a:t> calls </a:t>
             </a:r>
             <a:r>
-              <a:rPr lang="fr-FR" dirty="0" err="1"/>
+              <a:rPr lang="fr-FR" dirty="0" err="1">
+                <a:solidFill>
+                  <a:schemeClr val="accent1"/>
+                </a:solidFill>
+              </a:rPr>
               <a:t>them</a:t>
             </a:r>
             <a:r>
-              <a:rPr lang="fr-FR" dirty="0"/>
+              <a:rPr lang="fr-FR" dirty="0">
+                <a:solidFill>
+                  <a:schemeClr val="accent1"/>
+                </a:solidFill>
+              </a:rPr>
               <a:t>.</a:t>
             </a:r>
           </a:p>
           <a:p>
             <a:pPr lvl="1"/>
             <a:r>
-              <a:rPr lang="fr-FR" dirty="0"/>
+              <a:rPr lang="fr-FR" dirty="0">
+                <a:solidFill>
+                  <a:schemeClr val="accent1"/>
+                </a:solidFill>
+              </a:rPr>
               <a:t>For instance, </a:t>
             </a:r>
             <a:r>
-              <a:rPr lang="fr-FR" dirty="0" err="1"/>
+              <a:rPr lang="fr-FR" dirty="0" err="1">
+                <a:solidFill>
+                  <a:schemeClr val="accent1"/>
+                </a:solidFill>
+              </a:rPr>
               <a:t>they</a:t>
             </a:r>
             <a:r>
-              <a:rPr lang="fr-FR" dirty="0"/>
+              <a:rPr lang="fr-FR" dirty="0">
+                <a:solidFill>
+                  <a:schemeClr val="accent1"/>
+                </a:solidFill>
+              </a:rPr>
               <a:t> are </a:t>
             </a:r>
             <a:r>
-              <a:rPr lang="fr-FR" dirty="0" err="1"/>
+              <a:rPr lang="fr-FR" dirty="0" err="1">
+                <a:solidFill>
+                  <a:schemeClr val="accent1"/>
+                </a:solidFill>
+              </a:rPr>
               <a:t>called</a:t>
             </a:r>
             <a:r>
-              <a:rPr lang="fr-FR" dirty="0"/>
+              <a:rPr lang="fr-FR" dirty="0">
+                <a:solidFill>
+                  <a:schemeClr val="accent1"/>
+                </a:solidFill>
+              </a:rPr>
               <a:t> in </a:t>
             </a:r>
             <a:r>
-              <a:rPr lang="fr-FR" dirty="0" err="1"/>
+              <a:rPr lang="fr-FR" dirty="0" err="1">
+                <a:solidFill>
+                  <a:schemeClr val="accent1"/>
+                </a:solidFill>
+              </a:rPr>
               <a:t>varying</a:t>
             </a:r>
             <a:r>
-              <a:rPr lang="fr-FR" dirty="0"/>
+              <a:rPr lang="fr-FR" dirty="0">
+                <a:solidFill>
+                  <a:schemeClr val="accent1"/>
+                </a:solidFill>
+              </a:rPr>
               <a:t> </a:t>
             </a:r>
             <a:r>
-              <a:rPr lang="fr-FR" dirty="0" err="1"/>
+              <a:rPr lang="fr-FR" dirty="0" err="1">
+                <a:solidFill>
+                  <a:schemeClr val="accent1"/>
+                </a:solidFill>
+              </a:rPr>
               <a:t>order</a:t>
             </a:r>
             <a:r>
-              <a:rPr lang="fr-FR" dirty="0"/>
+              <a:rPr lang="fr-FR" dirty="0">
+                <a:solidFill>
+                  <a:schemeClr val="accent1"/>
+                </a:solidFill>
+              </a:rPr>
               <a:t> </a:t>
             </a:r>
             <a:r>
-              <a:rPr lang="fr-FR" dirty="0" err="1"/>
+              <a:rPr lang="fr-FR" dirty="0" err="1">
+                <a:solidFill>
+                  <a:schemeClr val="accent1"/>
+                </a:solidFill>
+              </a:rPr>
               <a:t>from</a:t>
             </a:r>
             <a:r>
-              <a:rPr lang="fr-FR" dirty="0"/>
+              <a:rPr lang="fr-FR" dirty="0">
+                <a:solidFill>
+                  <a:schemeClr val="accent1"/>
+                </a:solidFill>
+              </a:rPr>
               <a:t> </a:t>
             </a:r>
             <a:r>
-              <a:rPr lang="fr-FR" dirty="0" err="1"/>
+              <a:rPr lang="fr-FR" dirty="0" err="1">
+                <a:solidFill>
+                  <a:schemeClr val="accent1"/>
+                </a:solidFill>
+              </a:rPr>
               <a:t>different</a:t>
             </a:r>
             <a:r>
-              <a:rPr lang="fr-FR" dirty="0"/>
+              <a:rPr lang="fr-FR" dirty="0">
+                <a:solidFill>
+                  <a:schemeClr val="accent1"/>
+                </a:solidFill>
+              </a:rPr>
               <a:t> parts of the system</a:t>
             </a:r>
           </a:p>
           <a:p>
             <a:r>
-              <a:rPr lang="fr-FR" dirty="0"/>
+              <a:rPr lang="fr-FR" dirty="0">
+                <a:solidFill>
+                  <a:schemeClr val="accent1"/>
+                </a:solidFill>
+              </a:rPr>
               <a:t>There are hard </a:t>
             </a:r>
             <a:r>
-              <a:rPr lang="fr-FR" dirty="0" err="1"/>
+              <a:rPr lang="fr-FR" dirty="0" err="1">
+                <a:solidFill>
+                  <a:schemeClr val="accent1"/>
+                </a:solidFill>
+              </a:rPr>
               <a:t>dependencies</a:t>
             </a:r>
             <a:r>
-              <a:rPr lang="fr-FR" dirty="0"/>
+              <a:rPr lang="fr-FR" dirty="0">
+                <a:solidFill>
+                  <a:schemeClr val="accent1"/>
+                </a:solidFill>
+              </a:rPr>
               <a:t> </a:t>
             </a:r>
             <a:r>
-              <a:rPr lang="fr-FR" dirty="0" err="1"/>
+              <a:rPr lang="fr-FR" dirty="0" err="1">
+                <a:solidFill>
+                  <a:schemeClr val="accent1"/>
+                </a:solidFill>
+              </a:rPr>
               <a:t>that</a:t>
             </a:r>
             <a:r>
-              <a:rPr lang="fr-FR" dirty="0"/>
+              <a:rPr lang="fr-FR" dirty="0">
+                <a:solidFill>
+                  <a:schemeClr val="accent1"/>
+                </a:solidFill>
+              </a:rPr>
               <a:t> are not </a:t>
             </a:r>
             <a:r>
-              <a:rPr lang="fr-FR" dirty="0" err="1"/>
+              <a:rPr lang="fr-FR" dirty="0" err="1">
+                <a:solidFill>
+                  <a:schemeClr val="accent1"/>
+                </a:solidFill>
+              </a:rPr>
               <a:t>conducive</a:t>
             </a:r>
             <a:r>
-              <a:rPr lang="fr-FR" dirty="0"/>
+              <a:rPr lang="fr-FR" dirty="0">
+                <a:solidFill>
+                  <a:schemeClr val="accent1"/>
+                </a:solidFill>
+              </a:rPr>
               <a:t> to </a:t>
             </a:r>
             <a:r>
-              <a:rPr lang="fr-FR" dirty="0" err="1"/>
+              <a:rPr lang="fr-FR" dirty="0" err="1">
+                <a:solidFill>
+                  <a:schemeClr val="accent1"/>
+                </a:solidFill>
+              </a:rPr>
               <a:t>testing</a:t>
             </a:r>
             <a:r>
-              <a:rPr lang="fr-FR" dirty="0"/>
+              <a:rPr lang="fr-FR" dirty="0">
+                <a:solidFill>
+                  <a:schemeClr val="accent1"/>
+                </a:solidFill>
+              </a:rPr>
               <a:t>, for instance:</a:t>
             </a:r>
           </a:p>
           <a:p>
             <a:pPr lvl="1"/>
             <a:r>
-              <a:rPr lang="fr-FR" dirty="0" err="1"/>
+              <a:rPr lang="fr-FR" dirty="0" err="1">
+                <a:solidFill>
+                  <a:schemeClr val="accent1"/>
+                </a:solidFill>
+              </a:rPr>
               <a:t>External</a:t>
             </a:r>
             <a:r>
-              <a:rPr lang="fr-FR" dirty="0"/>
+              <a:rPr lang="fr-FR" dirty="0">
+                <a:solidFill>
+                  <a:schemeClr val="accent1"/>
+                </a:solidFill>
+              </a:rPr>
               <a:t> </a:t>
             </a:r>
             <a:r>
-              <a:rPr lang="fr-FR" dirty="0" err="1"/>
+              <a:rPr lang="fr-FR" dirty="0" err="1">
+                <a:solidFill>
+                  <a:schemeClr val="accent1"/>
+                </a:solidFill>
+              </a:rPr>
               <a:t>systems</a:t>
             </a:r>
             <a:r>
-              <a:rPr lang="fr-FR" dirty="0"/>
+              <a:rPr lang="fr-FR" dirty="0">
+                <a:solidFill>
+                  <a:schemeClr val="accent1"/>
+                </a:solidFill>
+              </a:rPr>
               <a:t> </a:t>
             </a:r>
             <a:r>
-              <a:rPr lang="fr-FR" dirty="0" err="1"/>
+              <a:rPr lang="fr-FR" dirty="0" err="1">
+                <a:solidFill>
+                  <a:schemeClr val="accent1"/>
+                </a:solidFill>
+              </a:rPr>
               <a:t>that</a:t>
             </a:r>
             <a:r>
-              <a:rPr lang="fr-FR" dirty="0"/>
+              <a:rPr lang="fr-FR" dirty="0">
+                <a:solidFill>
+                  <a:schemeClr val="accent1"/>
+                </a:solidFill>
+              </a:rPr>
               <a:t> are not </a:t>
             </a:r>
             <a:r>
-              <a:rPr lang="fr-FR" dirty="0" err="1"/>
+              <a:rPr lang="fr-FR" dirty="0" err="1">
+                <a:solidFill>
+                  <a:schemeClr val="accent1"/>
+                </a:solidFill>
+              </a:rPr>
               <a:t>available</a:t>
             </a:r>
             <a:r>
-              <a:rPr lang="fr-FR" dirty="0"/>
+              <a:rPr lang="fr-FR" dirty="0">
+                <a:solidFill>
+                  <a:schemeClr val="accent1"/>
+                </a:solidFill>
+              </a:rPr>
               <a:t> </a:t>
             </a:r>
             <a:r>
-              <a:rPr lang="fr-FR" dirty="0" err="1"/>
+              <a:rPr lang="fr-FR" dirty="0" err="1">
+                <a:solidFill>
+                  <a:schemeClr val="accent1"/>
+                </a:solidFill>
+              </a:rPr>
               <a:t>during</a:t>
             </a:r>
             <a:r>
-              <a:rPr lang="fr-FR" dirty="0"/>
+              <a:rPr lang="fr-FR" dirty="0">
+                <a:solidFill>
+                  <a:schemeClr val="accent1"/>
+                </a:solidFill>
+              </a:rPr>
               <a:t> tests (e.g. </a:t>
             </a:r>
             <a:r>
-              <a:rPr lang="fr-FR" dirty="0" err="1"/>
+              <a:rPr lang="fr-FR" dirty="0" err="1">
+                <a:solidFill>
+                  <a:schemeClr val="accent1"/>
+                </a:solidFill>
+              </a:rPr>
               <a:t>database</a:t>
             </a:r>
             <a:r>
-              <a:rPr lang="fr-FR" dirty="0"/>
+              <a:rPr lang="fr-FR" dirty="0">
+                <a:solidFill>
+                  <a:schemeClr val="accent1"/>
+                </a:solidFill>
+              </a:rPr>
               <a:t> and network </a:t>
             </a:r>
             <a:r>
-              <a:rPr lang="fr-FR" dirty="0" err="1"/>
+              <a:rPr lang="fr-FR" dirty="0" err="1">
+                <a:solidFill>
+                  <a:schemeClr val="accent1"/>
+                </a:solidFill>
+              </a:rPr>
               <a:t>devices</a:t>
             </a:r>
             <a:r>
-              <a:rPr lang="fr-FR" dirty="0"/>
+              <a:rPr lang="fr-FR" dirty="0">
+                <a:solidFill>
+                  <a:schemeClr val="accent1"/>
+                </a:solidFill>
+              </a:rPr>
               <a:t>)</a:t>
             </a:r>
           </a:p>
           <a:p>
             <a:pPr lvl="1"/>
             <a:r>
-              <a:rPr lang="fr-FR" dirty="0" err="1"/>
+              <a:rPr lang="fr-FR" dirty="0" err="1">
+                <a:solidFill>
+                  <a:schemeClr val="accent1"/>
+                </a:solidFill>
+              </a:rPr>
               <a:t>Systems</a:t>
             </a:r>
             <a:r>
-              <a:rPr lang="fr-FR" dirty="0"/>
+              <a:rPr lang="fr-FR" dirty="0">
+                <a:solidFill>
+                  <a:schemeClr val="accent1"/>
+                </a:solidFill>
+              </a:rPr>
               <a:t> </a:t>
             </a:r>
             <a:r>
-              <a:rPr lang="fr-FR" dirty="0" err="1"/>
+              <a:rPr lang="fr-FR" dirty="0" err="1">
+                <a:solidFill>
+                  <a:schemeClr val="accent1"/>
+                </a:solidFill>
+              </a:rPr>
               <a:t>that</a:t>
             </a:r>
             <a:r>
-              <a:rPr lang="fr-FR" dirty="0"/>
+              <a:rPr lang="fr-FR" dirty="0">
+                <a:solidFill>
+                  <a:schemeClr val="accent1"/>
+                </a:solidFill>
+              </a:rPr>
               <a:t> are not </a:t>
             </a:r>
             <a:r>
-              <a:rPr lang="fr-FR" dirty="0" err="1"/>
+              <a:rPr lang="fr-FR" dirty="0" err="1">
+                <a:solidFill>
+                  <a:schemeClr val="accent1"/>
+                </a:solidFill>
+              </a:rPr>
               <a:t>deterministic</a:t>
             </a:r>
             <a:r>
-              <a:rPr lang="fr-FR" dirty="0"/>
+              <a:rPr lang="fr-FR" dirty="0">
+                <a:solidFill>
+                  <a:schemeClr val="accent1"/>
+                </a:solidFill>
+              </a:rPr>
               <a:t> (</a:t>
             </a:r>
             <a:r>
-              <a:rPr lang="fr-FR" dirty="0" err="1"/>
+              <a:rPr lang="fr-FR" dirty="0" err="1">
+                <a:solidFill>
+                  <a:schemeClr val="accent1"/>
+                </a:solidFill>
+              </a:rPr>
               <a:t>making</a:t>
             </a:r>
             <a:r>
-              <a:rPr lang="fr-FR" dirty="0"/>
+              <a:rPr lang="fr-FR" dirty="0">
+                <a:solidFill>
+                  <a:schemeClr val="accent1"/>
+                </a:solidFill>
+              </a:rPr>
               <a:t> </a:t>
             </a:r>
             <a:r>
-              <a:rPr lang="fr-FR" dirty="0" err="1"/>
+              <a:rPr lang="fr-FR" dirty="0" err="1">
+                <a:solidFill>
+                  <a:schemeClr val="accent1"/>
+                </a:solidFill>
+              </a:rPr>
               <a:t>our</a:t>
             </a:r>
             <a:r>
-              <a:rPr lang="fr-FR" dirty="0"/>
+              <a:rPr lang="fr-FR" dirty="0">
+                <a:solidFill>
+                  <a:schemeClr val="accent1"/>
+                </a:solidFill>
+              </a:rPr>
               <a:t> tests not </a:t>
             </a:r>
             <a:r>
-              <a:rPr lang="fr-FR" dirty="0" err="1"/>
+              <a:rPr lang="fr-FR" dirty="0" err="1">
+                <a:solidFill>
+                  <a:schemeClr val="accent1"/>
+                </a:solidFill>
+              </a:rPr>
               <a:t>repeatable</a:t>
             </a:r>
             <a:r>
-              <a:rPr lang="fr-FR" dirty="0"/>
+              <a:rPr lang="fr-FR" dirty="0">
+                <a:solidFill>
+                  <a:schemeClr val="accent1"/>
+                </a:solidFill>
+              </a:rPr>
               <a:t>)</a:t>
             </a:r>
           </a:p>
@@ -4830,7 +4912,7 @@
 </p:sld>
 </file>
 
-<file path=ppt/slides/slide12.xml><?xml version="1.0" encoding="utf-8"?>
+<file path=ppt/slides/slide11.xml><?xml version="1.0" encoding="utf-8"?>
 <p:sld xmlns:a="http://schemas.openxmlformats.org/drawingml/2006/main" xmlns:r="http://schemas.openxmlformats.org/officeDocument/2006/relationships" xmlns:p="http://schemas.openxmlformats.org/presentationml/2006/main">
   <p:cSld>
     <p:spTree>
@@ -4907,62 +4989,98 @@
           <a:lstStyle/>
           <a:p>
             <a:r>
-              <a:rPr lang="en-US" dirty="0"/>
+              <a:rPr lang="en-US" dirty="0">
+                <a:solidFill>
+                  <a:schemeClr val="accent1"/>
+                </a:solidFill>
+              </a:rPr>
               <a:t>Write Characterization Tests</a:t>
             </a:r>
           </a:p>
           <a:p>
             <a:pPr lvl="1"/>
             <a:r>
-              <a:rPr lang="en-US" dirty="0"/>
+              <a:rPr lang="en-US" dirty="0">
+                <a:solidFill>
+                  <a:schemeClr val="accent1"/>
+                </a:solidFill>
+              </a:rPr>
               <a:t>A test that runs the code and captures its current behavior. </a:t>
             </a:r>
           </a:p>
           <a:p>
             <a:pPr lvl="1"/>
             <a:r>
-              <a:rPr lang="en-US" dirty="0"/>
+              <a:rPr lang="en-US" dirty="0">
+                <a:solidFill>
+                  <a:schemeClr val="accent1"/>
+                </a:solidFill>
+              </a:rPr>
               <a:t>The behavior should be a part of the system that would certainly change if the system functionality were changed. </a:t>
             </a:r>
           </a:p>
           <a:p>
             <a:r>
-              <a:rPr lang="en-US" dirty="0"/>
+              <a:rPr lang="en-US" dirty="0">
+                <a:solidFill>
+                  <a:schemeClr val="accent1"/>
+                </a:solidFill>
+              </a:rPr>
               <a:t>For instance:</a:t>
             </a:r>
           </a:p>
           <a:p>
             <a:pPr lvl="1"/>
             <a:r>
-              <a:rPr lang="en-US" dirty="0"/>
+              <a:rPr lang="en-US" dirty="0">
+                <a:solidFill>
+                  <a:schemeClr val="accent1"/>
+                </a:solidFill>
+              </a:rPr>
               <a:t>Define an interface for a logger.</a:t>
             </a:r>
           </a:p>
           <a:p>
             <a:pPr lvl="1"/>
             <a:r>
-              <a:rPr lang="en-US" dirty="0"/>
+              <a:rPr lang="en-US" dirty="0">
+                <a:solidFill>
+                  <a:schemeClr val="accent1"/>
+                </a:solidFill>
+              </a:rPr>
               <a:t>Make a minimal change to the code to inject the logger.</a:t>
             </a:r>
           </a:p>
           <a:p>
             <a:pPr lvl="1"/>
             <a:r>
-              <a:rPr lang="en-US" dirty="0"/>
+              <a:rPr lang="en-US" dirty="0">
+                <a:solidFill>
+                  <a:schemeClr val="accent1"/>
+                </a:solidFill>
+              </a:rPr>
               <a:t>Inject an implementation that records all logs to a file.</a:t>
             </a:r>
           </a:p>
           <a:p>
             <a:pPr lvl="1"/>
             <a:r>
-              <a:rPr lang="en-US" dirty="0"/>
+              <a:rPr lang="en-US" dirty="0">
+                <a:solidFill>
+                  <a:schemeClr val="accent1"/>
+                </a:solidFill>
+              </a:rPr>
               <a:t>Run the code and verify that the recorded logs did not change.</a:t>
             </a:r>
           </a:p>
           <a:p>
             <a:pPr lvl="1"/>
             <a:r>
-              <a:rPr lang="en-US" dirty="0"/>
+              <a:rPr lang="en-US" dirty="0">
+                <a:solidFill>
+                  <a:schemeClr val="accent1"/>
+                </a:solidFill>
+              </a:rPr>
               <a:t>This can be done in a non-test environment at first</a:t>
             </a:r>
           </a:p>
@@ -4981,7 +5099,7 @@
 </p:sld>
 </file>
 
-<file path=ppt/slides/slide13.xml><?xml version="1.0" encoding="utf-8"?>
+<file path=ppt/slides/slide12.xml><?xml version="1.0" encoding="utf-8"?>
 <p:sld xmlns:a="http://schemas.openxmlformats.org/drawingml/2006/main" xmlns:r="http://schemas.openxmlformats.org/officeDocument/2006/relationships" xmlns:p="http://schemas.openxmlformats.org/presentationml/2006/main">
   <p:cSld>
     <p:spTree>
@@ -5080,7 +5198,7 @@
 </p:sld>
 </file>
 
-<file path=ppt/slides/slide14.xml><?xml version="1.0" encoding="utf-8"?>
+<file path=ppt/slides/slide13.xml><?xml version="1.0" encoding="utf-8"?>
 <p:sld xmlns:a="http://schemas.openxmlformats.org/drawingml/2006/main" xmlns:r="http://schemas.openxmlformats.org/officeDocument/2006/relationships" xmlns:p="http://schemas.openxmlformats.org/presentationml/2006/main">
   <p:cSld>
     <p:spTree>
@@ -5168,7 +5286,7 @@
 </p:sld>
 </file>
 
-<file path=ppt/slides/slide15.xml><?xml version="1.0" encoding="utf-8"?>
+<file path=ppt/slides/slide14.xml><?xml version="1.0" encoding="utf-8"?>
 <p:sld xmlns:a="http://schemas.openxmlformats.org/drawingml/2006/main" xmlns:r="http://schemas.openxmlformats.org/officeDocument/2006/relationships" xmlns:p="http://schemas.openxmlformats.org/presentationml/2006/main">
   <p:cSld>
     <p:spTree>
@@ -5267,7 +5385,7 @@
 </p:sld>
 </file>
 
-<file path=ppt/slides/slide16.xml><?xml version="1.0" encoding="utf-8"?>
+<file path=ppt/slides/slide15.xml><?xml version="1.0" encoding="utf-8"?>
 <p:sld xmlns:a="http://schemas.openxmlformats.org/drawingml/2006/main" xmlns:r="http://schemas.openxmlformats.org/officeDocument/2006/relationships" xmlns:p="http://schemas.openxmlformats.org/presentationml/2006/main">
   <p:cSld>
     <p:spTree>
@@ -5377,12 +5495,18 @@
 </p:sld>
 </file>
 
-<file path=ppt/slides/slide2.xml><?xml version="1.0" encoding="utf-8"?>
+<file path=ppt/slides/slide16.xml><?xml version="1.0" encoding="utf-8"?>
 <p:sld xmlns:a="http://schemas.openxmlformats.org/drawingml/2006/main" xmlns:r="http://schemas.openxmlformats.org/officeDocument/2006/relationships" xmlns:p="http://schemas.openxmlformats.org/presentationml/2006/main">
   <p:cSld>
     <p:spTree>
       <p:nvGrpSpPr>
-        <p:cNvPr id="1" name=""/>
+        <p:cNvPr id="1" name="">
+          <a:extLst>
+            <a:ext uri="{FF2B5EF4-FFF2-40B4-BE49-F238E27FC236}">
+              <a16:creationId xmlns:a16="http://schemas.microsoft.com/office/drawing/2014/main" id="{F6B7AC48-FB2D-B87F-AF46-FBC899DC9447}"/>
+            </a:ext>
+          </a:extLst>
+        </p:cNvPr>
         <p:cNvGrpSpPr/>
         <p:nvPr/>
       </p:nvGrpSpPr>
@@ -5396,7 +5520,13 @@
       </p:grpSpPr>
       <p:sp>
         <p:nvSpPr>
-          <p:cNvPr id="2" name="Title 1"/>
+          <p:cNvPr id="2" name="Title 1">
+            <a:extLst>
+              <a:ext uri="{FF2B5EF4-FFF2-40B4-BE49-F238E27FC236}">
+                <a16:creationId xmlns:a16="http://schemas.microsoft.com/office/drawing/2014/main" id="{C776F0FB-FB6D-3B26-7191-85BCD1CA6C7D}"/>
+              </a:ext>
+            </a:extLst>
+          </p:cNvPr>
           <p:cNvSpPr>
             <a:spLocks noGrp="1"/>
           </p:cNvSpPr>
@@ -5416,84 +5546,357 @@
           <a:p>
             <a:r>
               <a:rPr lang="en-US" dirty="0"/>
-              <a:t>Overview</a:t>
-            </a:r>
-          </a:p>
-        </p:txBody>
-      </p:sp>
-      <p:sp>
-        <p:nvSpPr>
-          <p:cNvPr id="3" name="Content Placeholder 2"/>
-          <p:cNvSpPr>
-            <a:spLocks noGrp="1"/>
-          </p:cNvSpPr>
+              <a:t>Key Takeaways</a:t>
+            </a:r>
+          </a:p>
+        </p:txBody>
+      </p:sp>
+      <p:graphicFrame>
+        <p:nvGraphicFramePr>
+          <p:cNvPr id="11" name="Content Placeholder 10">
+            <a:extLst>
+              <a:ext uri="{FF2B5EF4-FFF2-40B4-BE49-F238E27FC236}">
+                <a16:creationId xmlns:a16="http://schemas.microsoft.com/office/drawing/2014/main" id="{BE1D75E1-DE84-FCB3-B0E4-7FA7DB4710C9}"/>
+              </a:ext>
+            </a:extLst>
+          </p:cNvPr>
+          <p:cNvGraphicFramePr>
+            <a:graphicFrameLocks noGrp="1"/>
+          </p:cNvGraphicFramePr>
           <p:nvPr>
             <p:ph idx="1"/>
-          </p:nvPr>
-        </p:nvSpPr>
-        <p:spPr>
-          <a:xfrm>
-            <a:off x="457200" y="1600200"/>
-            <a:ext cx="8229600" cy="4525963"/>
-          </a:xfrm>
-        </p:spPr>
-        <p:txBody>
-          <a:bodyPr>
-            <a:normAutofit fontScale="62500" lnSpcReduction="20000"/>
-          </a:bodyPr>
-          <a:lstStyle/>
-          <a:p>
-            <a:r>
-              <a:rPr lang="en-US" dirty="0"/>
-              <a:t>Module 1 presents the principles, but how are those principles applied in practice?</a:t>
-            </a:r>
-          </a:p>
-          <a:p>
-            <a:r>
-              <a:rPr lang="en-US" dirty="0"/>
-              <a:t>In Module 2 we learned that one of the benefits of tests is that they reduce the risks involved in refactoring existing code.</a:t>
-            </a:r>
-          </a:p>
-          <a:p>
-            <a:r>
-              <a:rPr lang="en-US" dirty="0"/>
-              <a:t>But legacy code often has no tests - so refactoring may easily introduce bugs. Worse, code with no tests is often not testable, that is, we must refactor it in order to enable us to introduce tests.</a:t>
-            </a:r>
-          </a:p>
-          <a:p>
-            <a:r>
-              <a:rPr lang="en-US" dirty="0"/>
-              <a:t>This vicious cycle often leads to stagnation, and over time, bad code degrades further, becoming increasingly brittle and harder to maintain.</a:t>
-            </a:r>
-          </a:p>
-          <a:p>
-            <a:r>
-              <a:rPr lang="en-US" dirty="0"/>
-              <a:t>The recommended approach in such cases is to make incremental changes. Adding a test, doing some refactoring and then adding more tests.</a:t>
-            </a:r>
-          </a:p>
-          <a:p>
-            <a:r>
-              <a:rPr lang="en-US" dirty="0"/>
-              <a:t>This module is a coding demonstration, which begins with a working project which has issues.</a:t>
-            </a:r>
-          </a:p>
-          <a:p>
-            <a:r>
-              <a:rPr lang="en-US" dirty="0"/>
-              <a:t>In an open discussion, we will identify the issues and then I will demonstrate the incremental approach to resolving them.</a:t>
-            </a:r>
-          </a:p>
-          <a:p>
-            <a:pPr lvl="1"/>
-            <a:endParaRPr lang="en-US" dirty="0"/>
-          </a:p>
-        </p:txBody>
-      </p:sp>
+            <p:extLst>
+              <p:ext uri="{D42A27DB-BD31-4B8C-83A1-F6EECF244321}">
+                <p14:modId xmlns:p14="http://schemas.microsoft.com/office/powerpoint/2010/main" val="82953240"/>
+              </p:ext>
+            </p:extLst>
+          </p:nvPr>
+        </p:nvGraphicFramePr>
+        <p:xfrm>
+          <a:off x="457200" y="1600200"/>
+          <a:ext cx="8229600" cy="3200400"/>
+        </p:xfrm>
+        <a:graphic>
+          <a:graphicData uri="http://schemas.openxmlformats.org/drawingml/2006/table">
+            <a:tbl>
+              <a:tblPr bandRow="1">
+                <a:tableStyleId>{46F890A9-2807-4EBB-B81D-B2AA78EC7F39}</a:tableStyleId>
+              </a:tblPr>
+              <a:tblGrid>
+                <a:gridCol w="2133600">
+                  <a:extLst>
+                    <a:ext uri="{9D8B030D-6E8A-4147-A177-3AD203B41FA5}">
+                      <a16:colId xmlns:a16="http://schemas.microsoft.com/office/drawing/2014/main" val="2828882500"/>
+                    </a:ext>
+                  </a:extLst>
+                </a:gridCol>
+                <a:gridCol w="6096000">
+                  <a:extLst>
+                    <a:ext uri="{9D8B030D-6E8A-4147-A177-3AD203B41FA5}">
+                      <a16:colId xmlns:a16="http://schemas.microsoft.com/office/drawing/2014/main" val="2512347793"/>
+                    </a:ext>
+                  </a:extLst>
+                </a:gridCol>
+              </a:tblGrid>
+              <a:tr h="640080">
+                <a:tc>
+                  <a:txBody>
+                    <a:bodyPr/>
+                    <a:lstStyle/>
+                    <a:p>
+                      <a:pPr lvl="0"/>
+                      <a:r>
+                        <a:rPr lang="en-US" sz="2400" kern="1200" dirty="0">
+                          <a:solidFill>
+                            <a:schemeClr val="tx2"/>
+                          </a:solidFill>
+                          <a:latin typeface="+mn-lt"/>
+                          <a:ea typeface="+mn-ea"/>
+                          <a:cs typeface="+mn-cs"/>
+                        </a:rPr>
+                        <a:t>Legacy Code</a:t>
+                      </a:r>
+                    </a:p>
+                  </a:txBody>
+                  <a:tcPr anchor="ctr"/>
+                </a:tc>
+                <a:tc>
+                  <a:txBody>
+                    <a:bodyPr/>
+                    <a:lstStyle/>
+                    <a:p>
+                      <a:r>
+                        <a:rPr lang="en-US" sz="2400" kern="1200" dirty="0">
+                          <a:solidFill>
+                            <a:schemeClr val="tx2"/>
+                          </a:solidFill>
+                          <a:latin typeface="+mn-lt"/>
+                          <a:ea typeface="+mn-ea"/>
+                          <a:cs typeface="+mn-cs"/>
+                        </a:rPr>
+                        <a:t>Legacy code could be today’s code - tomorrow</a:t>
+                      </a:r>
+                    </a:p>
+                  </a:txBody>
+                  <a:tcPr anchor="ctr"/>
+                </a:tc>
+                <a:extLst>
+                  <a:ext uri="{0D108BD9-81ED-4DB2-BD59-A6C34878D82A}">
+                    <a16:rowId xmlns:a16="http://schemas.microsoft.com/office/drawing/2014/main" val="4225302427"/>
+                  </a:ext>
+                </a:extLst>
+              </a:tr>
+              <a:tr h="640080">
+                <a:tc>
+                  <a:txBody>
+                    <a:bodyPr/>
+                    <a:lstStyle/>
+                    <a:p>
+                      <a:pPr lvl="0"/>
+                      <a:r>
+                        <a:rPr lang="en-US" sz="2400" kern="1200" dirty="0">
+                          <a:solidFill>
+                            <a:schemeClr val="tx2"/>
+                          </a:solidFill>
+                          <a:latin typeface="+mn-lt"/>
+                          <a:ea typeface="+mn-ea"/>
+                          <a:cs typeface="+mn-cs"/>
+                        </a:rPr>
+                        <a:t>No rewrites</a:t>
+                      </a:r>
+                    </a:p>
+                  </a:txBody>
+                  <a:tcPr anchor="ctr"/>
+                </a:tc>
+                <a:tc>
+                  <a:txBody>
+                    <a:bodyPr/>
+                    <a:lstStyle/>
+                    <a:p>
+                      <a:r>
+                        <a:rPr lang="en-US" sz="2400" kern="1200" dirty="0">
+                          <a:solidFill>
+                            <a:schemeClr val="tx2"/>
+                          </a:solidFill>
+                          <a:latin typeface="+mn-lt"/>
+                          <a:ea typeface="+mn-ea"/>
+                          <a:cs typeface="+mn-cs"/>
+                        </a:rPr>
+                        <a:t>It is better to improve incrementally</a:t>
+                      </a:r>
+                    </a:p>
+                  </a:txBody>
+                  <a:tcPr anchor="ctr"/>
+                </a:tc>
+                <a:extLst>
+                  <a:ext uri="{0D108BD9-81ED-4DB2-BD59-A6C34878D82A}">
+                    <a16:rowId xmlns:a16="http://schemas.microsoft.com/office/drawing/2014/main" val="471420756"/>
+                  </a:ext>
+                </a:extLst>
+              </a:tr>
+              <a:tr h="640080">
+                <a:tc>
+                  <a:txBody>
+                    <a:bodyPr/>
+                    <a:lstStyle/>
+                    <a:p>
+                      <a:pPr lvl="0"/>
+                      <a:r>
+                        <a:rPr lang="en-US" sz="2400" kern="1200" dirty="0">
+                          <a:solidFill>
+                            <a:schemeClr val="tx2"/>
+                          </a:solidFill>
+                          <a:latin typeface="+mn-lt"/>
+                          <a:ea typeface="+mn-ea"/>
+                          <a:cs typeface="+mn-cs"/>
+                        </a:rPr>
+                        <a:t>Add tests</a:t>
+                      </a:r>
+                    </a:p>
+                  </a:txBody>
+                  <a:tcPr anchor="ctr"/>
+                </a:tc>
+                <a:tc>
+                  <a:txBody>
+                    <a:bodyPr/>
+                    <a:lstStyle/>
+                    <a:p>
+                      <a:r>
+                        <a:rPr lang="en-US" sz="2400" kern="1200" dirty="0">
+                          <a:solidFill>
+                            <a:schemeClr val="tx2"/>
+                          </a:solidFill>
+                          <a:latin typeface="+mn-lt"/>
+                          <a:ea typeface="+mn-ea"/>
+                          <a:cs typeface="+mn-cs"/>
+                        </a:rPr>
+                        <a:t>Use characteristic tests to capture behavior</a:t>
+                      </a:r>
+                    </a:p>
+                  </a:txBody>
+                  <a:tcPr anchor="ctr"/>
+                </a:tc>
+                <a:extLst>
+                  <a:ext uri="{0D108BD9-81ED-4DB2-BD59-A6C34878D82A}">
+                    <a16:rowId xmlns:a16="http://schemas.microsoft.com/office/drawing/2014/main" val="1260263298"/>
+                  </a:ext>
+                </a:extLst>
+              </a:tr>
+              <a:tr h="640080">
+                <a:tc>
+                  <a:txBody>
+                    <a:bodyPr/>
+                    <a:lstStyle/>
+                    <a:p>
+                      <a:pPr marL="0" marR="0" lvl="0" indent="0" algn="l" defTabSz="914400" rtl="0" eaLnBrk="1" fontAlgn="auto" latinLnBrk="0" hangingPunct="1">
+                        <a:lnSpc>
+                          <a:spcPct val="100000"/>
+                        </a:lnSpc>
+                        <a:spcBef>
+                          <a:spcPts val="0"/>
+                        </a:spcBef>
+                        <a:spcAft>
+                          <a:spcPts val="0"/>
+                        </a:spcAft>
+                        <a:buClrTx/>
+                        <a:buSzTx/>
+                        <a:buFontTx/>
+                        <a:buNone/>
+                        <a:tabLst/>
+                        <a:defRPr/>
+                      </a:pPr>
+                      <a:endParaRPr lang="en-US" sz="2400" kern="1200" dirty="0">
+                        <a:solidFill>
+                          <a:schemeClr val="tx2"/>
+                        </a:solidFill>
+                        <a:latin typeface="+mn-lt"/>
+                        <a:ea typeface="+mn-ea"/>
+                        <a:cs typeface="+mn-cs"/>
+                      </a:endParaRPr>
+                    </a:p>
+                  </a:txBody>
+                  <a:tcPr anchor="ctr"/>
+                </a:tc>
+                <a:tc>
+                  <a:txBody>
+                    <a:bodyPr/>
+                    <a:lstStyle/>
+                    <a:p>
+                      <a:r>
+                        <a:rPr lang="en-US" sz="2400" kern="1200" dirty="0">
+                          <a:solidFill>
+                            <a:schemeClr val="tx2"/>
+                          </a:solidFill>
+                          <a:latin typeface="+mn-lt"/>
+                          <a:ea typeface="+mn-ea"/>
+                          <a:cs typeface="+mn-cs"/>
+                        </a:rPr>
+                        <a:t>Refactor</a:t>
+                      </a:r>
+                      <a:r>
+                        <a:rPr lang="en-US" sz="2400" kern="1200">
+                          <a:solidFill>
+                            <a:schemeClr val="tx2"/>
+                          </a:solidFill>
+                          <a:latin typeface="+mn-lt"/>
+                          <a:ea typeface="+mn-ea"/>
+                          <a:cs typeface="+mn-cs"/>
+                        </a:rPr>
+                        <a:t>, and add </a:t>
+                      </a:r>
+                      <a:r>
+                        <a:rPr lang="en-US" sz="2400" kern="1200" dirty="0">
+                          <a:solidFill>
+                            <a:schemeClr val="tx2"/>
+                          </a:solidFill>
+                          <a:latin typeface="+mn-lt"/>
+                          <a:ea typeface="+mn-ea"/>
+                          <a:cs typeface="+mn-cs"/>
+                        </a:rPr>
+                        <a:t>more tests</a:t>
+                      </a:r>
+                    </a:p>
+                  </a:txBody>
+                  <a:tcPr anchor="ctr"/>
+                </a:tc>
+                <a:extLst>
+                  <a:ext uri="{0D108BD9-81ED-4DB2-BD59-A6C34878D82A}">
+                    <a16:rowId xmlns:a16="http://schemas.microsoft.com/office/drawing/2014/main" val="2891640185"/>
+                  </a:ext>
+                </a:extLst>
+              </a:tr>
+              <a:tr h="640080">
+                <a:tc>
+                  <a:txBody>
+                    <a:bodyPr/>
+                    <a:lstStyle/>
+                    <a:p>
+                      <a:pPr marL="0" marR="0" lvl="0" indent="0" algn="l" defTabSz="914400" rtl="0" eaLnBrk="1" fontAlgn="auto" latinLnBrk="0" hangingPunct="1">
+                        <a:lnSpc>
+                          <a:spcPct val="100000"/>
+                        </a:lnSpc>
+                        <a:spcBef>
+                          <a:spcPts val="0"/>
+                        </a:spcBef>
+                        <a:spcAft>
+                          <a:spcPts val="0"/>
+                        </a:spcAft>
+                        <a:buClrTx/>
+                        <a:buSzTx/>
+                        <a:buFontTx/>
+                        <a:buNone/>
+                        <a:tabLst/>
+                        <a:defRPr/>
+                      </a:pPr>
+                      <a:r>
+                        <a:rPr lang="en-US" sz="2400" kern="1200" dirty="0">
+                          <a:solidFill>
+                            <a:schemeClr val="tx2"/>
+                          </a:solidFill>
+                          <a:latin typeface="+mn-lt"/>
+                          <a:ea typeface="+mn-ea"/>
+                          <a:cs typeface="+mn-cs"/>
+                        </a:rPr>
+                        <a:t>Dependencies</a:t>
+                      </a:r>
+                    </a:p>
+                  </a:txBody>
+                  <a:tcPr anchor="ctr"/>
+                </a:tc>
+                <a:tc>
+                  <a:txBody>
+                    <a:bodyPr/>
+                    <a:lstStyle/>
+                    <a:p>
+                      <a:r>
+                        <a:rPr lang="en-US" sz="2400" kern="1200" dirty="0">
+                          <a:solidFill>
+                            <a:schemeClr val="tx2"/>
+                          </a:solidFill>
+                          <a:latin typeface="+mn-lt"/>
+                          <a:ea typeface="+mn-ea"/>
+                          <a:cs typeface="+mn-cs"/>
+                        </a:rPr>
+                        <a:t>Use mocks and stubs to allow testing</a:t>
+                      </a:r>
+                    </a:p>
+                  </a:txBody>
+                  <a:tcPr anchor="ctr"/>
+                </a:tc>
+                <a:extLst>
+                  <a:ext uri="{0D108BD9-81ED-4DB2-BD59-A6C34878D82A}">
+                    <a16:rowId xmlns:a16="http://schemas.microsoft.com/office/drawing/2014/main" val="1349095502"/>
+                  </a:ext>
+                </a:extLst>
+              </a:tr>
+            </a:tbl>
+          </a:graphicData>
+        </a:graphic>
+      </p:graphicFrame>
     </p:spTree>
     <p:extLst>
       <p:ext uri="{BB962C8B-B14F-4D97-AF65-F5344CB8AC3E}">
-        <p14:creationId xmlns:p14="http://schemas.microsoft.com/office/powerpoint/2010/main" val="62040120"/>
+        <p14:creationId xmlns:p14="http://schemas.microsoft.com/office/powerpoint/2010/main" val="3954491594"/>
       </p:ext>
     </p:extLst>
   </p:cSld>
@@ -5503,7 +5906,7 @@
 </p:sld>
 </file>
 
-<file path=ppt/slides/slide3.xml><?xml version="1.0" encoding="utf-8"?>
+<file path=ppt/slides/slide2.xml><?xml version="1.0" encoding="utf-8"?>
 <p:sld xmlns:a="http://schemas.openxmlformats.org/drawingml/2006/main" xmlns:r="http://schemas.openxmlformats.org/officeDocument/2006/relationships" xmlns:p="http://schemas.openxmlformats.org/presentationml/2006/main">
   <p:cSld>
     <p:spTree>
@@ -5577,7 +5980,7 @@
         </p:nvSpPr>
         <p:spPr>
           <a:xfrm>
-            <a:off x="457200" y="1600200"/>
+            <a:off x="457200" y="1524000"/>
             <a:ext cx="8229600" cy="4525963"/>
           </a:xfrm>
         </p:spPr>
@@ -5588,81 +5991,155 @@
           <a:lstStyle/>
           <a:p>
             <a:r>
-              <a:rPr lang="en-US" dirty="0"/>
+              <a:rPr lang="en-US" dirty="0">
+                <a:solidFill>
+                  <a:schemeClr val="accent1"/>
+                </a:solidFill>
+              </a:rPr>
+              <a:t>What is legacy code?</a:t>
+            </a:r>
+          </a:p>
+          <a:p>
+            <a:r>
+              <a:rPr lang="en-US" dirty="0">
+                <a:solidFill>
+                  <a:schemeClr val="accent1"/>
+                </a:solidFill>
+              </a:rPr>
               <a:t>Problems with legacy code</a:t>
             </a:r>
           </a:p>
           <a:p>
             <a:r>
-              <a:rPr lang="fr-FR" dirty="0"/>
+              <a:rPr lang="fr-FR" dirty="0">
+                <a:solidFill>
+                  <a:schemeClr val="accent1"/>
+                </a:solidFill>
+              </a:rPr>
               <a:t>Evolution of </a:t>
             </a:r>
             <a:r>
-              <a:rPr lang="fr-FR" dirty="0" err="1"/>
+              <a:rPr lang="fr-FR" dirty="0" err="1">
+                <a:solidFill>
+                  <a:schemeClr val="accent1"/>
+                </a:solidFill>
+              </a:rPr>
               <a:t>legacy</a:t>
             </a:r>
             <a:r>
-              <a:rPr lang="fr-FR" dirty="0"/>
+              <a:rPr lang="fr-FR" dirty="0">
+                <a:solidFill>
+                  <a:schemeClr val="accent1"/>
+                </a:solidFill>
+              </a:rPr>
               <a:t> code</a:t>
             </a:r>
           </a:p>
           <a:p>
             <a:r>
-              <a:rPr lang="fr-FR" dirty="0"/>
-              <a:t>How to </a:t>
-            </a:r>
-            <a:r>
-              <a:rPr lang="fr-FR" dirty="0" err="1"/>
-              <a:t>make</a:t>
-            </a:r>
-            <a:r>
-              <a:rPr lang="fr-FR" dirty="0"/>
+              <a:rPr lang="fr-FR" dirty="0" err="1">
+                <a:solidFill>
+                  <a:schemeClr val="accent1"/>
+                </a:solidFill>
+              </a:rPr>
+              <a:t>Make</a:t>
+            </a:r>
+            <a:r>
+              <a:rPr lang="fr-FR" dirty="0">
+                <a:solidFill>
+                  <a:schemeClr val="accent1"/>
+                </a:solidFill>
+              </a:rPr>
               <a:t> minimal changes</a:t>
             </a:r>
           </a:p>
           <a:p>
             <a:r>
-              <a:rPr lang="fr-FR" dirty="0"/>
-              <a:t>How to test code </a:t>
-            </a:r>
-            <a:r>
-              <a:rPr lang="fr-FR" dirty="0" err="1"/>
+              <a:rPr lang="fr-FR" dirty="0" err="1">
+                <a:solidFill>
+                  <a:schemeClr val="accent1"/>
+                </a:solidFill>
+              </a:rPr>
+              <a:t>Testing</a:t>
+            </a:r>
+            <a:r>
+              <a:rPr lang="fr-FR" dirty="0">
+                <a:solidFill>
+                  <a:schemeClr val="accent1"/>
+                </a:solidFill>
+              </a:rPr>
+              <a:t> code </a:t>
+            </a:r>
+            <a:r>
+              <a:rPr lang="fr-FR" dirty="0" err="1">
+                <a:solidFill>
+                  <a:schemeClr val="accent1"/>
+                </a:solidFill>
+              </a:rPr>
               <a:t>without</a:t>
             </a:r>
             <a:r>
-              <a:rPr lang="fr-FR" dirty="0"/>
+              <a:rPr lang="fr-FR" dirty="0">
+                <a:solidFill>
+                  <a:schemeClr val="accent1"/>
+                </a:solidFill>
+              </a:rPr>
               <a:t> a </a:t>
             </a:r>
             <a:r>
-              <a:rPr lang="fr-FR" dirty="0" err="1"/>
+              <a:rPr lang="fr-FR" dirty="0" err="1">
+                <a:solidFill>
+                  <a:schemeClr val="accent1"/>
+                </a:solidFill>
+              </a:rPr>
               <a:t>clear</a:t>
             </a:r>
             <a:r>
-              <a:rPr lang="fr-FR" dirty="0"/>
+              <a:rPr lang="fr-FR" dirty="0">
+                <a:solidFill>
+                  <a:schemeClr val="accent1"/>
+                </a:solidFill>
+              </a:rPr>
               <a:t> API</a:t>
             </a:r>
           </a:p>
           <a:p>
             <a:r>
-              <a:rPr lang="fr-FR" dirty="0"/>
-              <a:t>How to </a:t>
-            </a:r>
-            <a:r>
-              <a:rPr lang="fr-FR" dirty="0" err="1"/>
-              <a:t>add</a:t>
-            </a:r>
-            <a:r>
-              <a:rPr lang="fr-FR" dirty="0"/>
-              <a:t> tests </a:t>
-            </a:r>
-            <a:r>
-              <a:rPr lang="fr-FR" dirty="0" err="1"/>
-              <a:t>incrementally</a:t>
-            </a:r>
-            <a:endParaRPr lang="fr-FR" dirty="0"/>
-          </a:p>
-          <a:p>
-            <a:endParaRPr lang="en-US" dirty="0"/>
+              <a:rPr lang="fr-FR" dirty="0" err="1">
+                <a:solidFill>
+                  <a:schemeClr val="accent1"/>
+                </a:solidFill>
+              </a:rPr>
+              <a:t>Addressing</a:t>
+            </a:r>
+            <a:r>
+              <a:rPr lang="fr-FR" dirty="0">
+                <a:solidFill>
+                  <a:schemeClr val="accent1"/>
+                </a:solidFill>
+              </a:rPr>
+              <a:t> hard </a:t>
+            </a:r>
+            <a:r>
+              <a:rPr lang="fr-FR" dirty="0" err="1">
+                <a:solidFill>
+                  <a:schemeClr val="accent1"/>
+                </a:solidFill>
+              </a:rPr>
+              <a:t>dependencies</a:t>
+            </a:r>
+            <a:endParaRPr lang="fr-FR" dirty="0">
+              <a:solidFill>
+                <a:schemeClr val="accent1"/>
+              </a:solidFill>
+            </a:endParaRPr>
+          </a:p>
+          <a:p>
+            <a:endParaRPr lang="en-US" dirty="0">
+              <a:solidFill>
+                <a:schemeClr val="accent1"/>
+              </a:solidFill>
+            </a:endParaRPr>
           </a:p>
         </p:txBody>
       </p:sp>
@@ -5670,6 +6147,113 @@
     <p:extLst>
       <p:ext uri="{BB962C8B-B14F-4D97-AF65-F5344CB8AC3E}">
         <p14:creationId xmlns:p14="http://schemas.microsoft.com/office/powerpoint/2010/main" val="1511060841"/>
+      </p:ext>
+    </p:extLst>
+  </p:cSld>
+  <p:clrMapOvr>
+    <a:masterClrMapping/>
+  </p:clrMapOvr>
+</p:sld>
+</file>
+
+<file path=ppt/slides/slide3.xml><?xml version="1.0" encoding="utf-8"?>
+<p:sld xmlns:a="http://schemas.openxmlformats.org/drawingml/2006/main" xmlns:r="http://schemas.openxmlformats.org/officeDocument/2006/relationships" xmlns:p="http://schemas.openxmlformats.org/presentationml/2006/main">
+  <p:cSld>
+    <p:spTree>
+      <p:nvGrpSpPr>
+        <p:cNvPr id="1" name=""/>
+        <p:cNvGrpSpPr/>
+        <p:nvPr/>
+      </p:nvGrpSpPr>
+      <p:grpSpPr>
+        <a:xfrm>
+          <a:off x="0" y="0"/>
+          <a:ext cx="0" cy="0"/>
+          <a:chOff x="0" y="0"/>
+          <a:chExt cx="0" cy="0"/>
+        </a:xfrm>
+      </p:grpSpPr>
+      <p:sp>
+        <p:nvSpPr>
+          <p:cNvPr id="2" name="Title 1">
+            <a:extLst>
+              <a:ext uri="{FF2B5EF4-FFF2-40B4-BE49-F238E27FC236}">
+                <a16:creationId xmlns:a16="http://schemas.microsoft.com/office/drawing/2014/main" id="{89BA3F2B-2FE2-0716-687A-9F82AB9E453C}"/>
+              </a:ext>
+            </a:extLst>
+          </p:cNvPr>
+          <p:cNvSpPr>
+            <a:spLocks noGrp="1"/>
+          </p:cNvSpPr>
+          <p:nvPr>
+            <p:ph type="title"/>
+          </p:nvPr>
+        </p:nvSpPr>
+        <p:spPr/>
+        <p:txBody>
+          <a:bodyPr/>
+          <a:lstStyle/>
+          <a:p>
+            <a:r>
+              <a:rPr lang="en-US" dirty="0"/>
+              <a:t>Recommended Book on this Topic</a:t>
+            </a:r>
+          </a:p>
+        </p:txBody>
+      </p:sp>
+      <p:pic>
+        <p:nvPicPr>
+          <p:cNvPr id="1026" name="Picture 2" descr="Working Effectively with Legacy Code">
+            <a:extLst>
+              <a:ext uri="{FF2B5EF4-FFF2-40B4-BE49-F238E27FC236}">
+                <a16:creationId xmlns:a16="http://schemas.microsoft.com/office/drawing/2014/main" id="{007C6576-3389-4961-E008-C76CB1DBDF75}"/>
+              </a:ext>
+            </a:extLst>
+          </p:cNvPr>
+          <p:cNvPicPr>
+            <a:picLocks noGrp="1" noChangeAspect="1" noChangeArrowheads="1"/>
+          </p:cNvPicPr>
+          <p:nvPr>
+            <p:ph idx="1"/>
+          </p:nvPr>
+        </p:nvPicPr>
+        <p:blipFill>
+          <a:blip r:embed="rId2">
+            <a:extLst>
+              <a:ext uri="{28A0092B-C50C-407E-A947-70E740481C1C}">
+                <a14:useLocalDpi xmlns:a14="http://schemas.microsoft.com/office/drawing/2010/main" val="0"/>
+              </a:ext>
+            </a:extLst>
+          </a:blip>
+          <a:srcRect/>
+          <a:stretch>
+            <a:fillRect/>
+          </a:stretch>
+        </p:blipFill>
+        <p:spPr bwMode="auto">
+          <a:xfrm>
+            <a:off x="2863926" y="1600200"/>
+            <a:ext cx="3416148" cy="4525963"/>
+          </a:xfrm>
+          <a:prstGeom prst="rect">
+            <a:avLst/>
+          </a:prstGeom>
+          <a:noFill/>
+          <a:extLst>
+            <a:ext uri="{909E8E84-426E-40DD-AFC4-6F175D3DCCD1}">
+              <a14:hiddenFill xmlns:a14="http://schemas.microsoft.com/office/drawing/2010/main">
+                <a:solidFill>
+                  <a:srgbClr val="FFFFFF"/>
+                </a:solidFill>
+              </a14:hiddenFill>
+            </a:ext>
+          </a:extLst>
+        </p:spPr>
+      </p:pic>
+    </p:spTree>
+    <p:extLst>
+      <p:ext uri="{BB962C8B-B14F-4D97-AF65-F5344CB8AC3E}">
+        <p14:creationId xmlns:p14="http://schemas.microsoft.com/office/powerpoint/2010/main" val="719403611"/>
       </p:ext>
     </p:extLst>
   </p:cSld>
@@ -5701,7 +6285,7 @@
           <p:cNvPr id="2" name="Title 1">
             <a:extLst>
               <a:ext uri="{FF2B5EF4-FFF2-40B4-BE49-F238E27FC236}">
-                <a16:creationId xmlns:a16="http://schemas.microsoft.com/office/drawing/2014/main" id="{89BA3F2B-2FE2-0716-687A-9F82AB9E453C}"/>
+                <a16:creationId xmlns:a16="http://schemas.microsoft.com/office/drawing/2014/main" id="{A408EF2C-28C2-E91A-C26E-04E0A5A7543D}"/>
               </a:ext>
             </a:extLst>
           </p:cNvPr>
@@ -5714,69 +6298,99 @@
         </p:nvSpPr>
         <p:spPr/>
         <p:txBody>
-          <a:bodyPr/>
+          <a:bodyPr>
+            <a:normAutofit/>
+          </a:bodyPr>
           <a:lstStyle/>
           <a:p>
             <a:r>
               <a:rPr lang="en-US" dirty="0"/>
-              <a:t>Recommended Book on this Topic</a:t>
-            </a:r>
-          </a:p>
-        </p:txBody>
-      </p:sp>
-      <p:pic>
-        <p:nvPicPr>
-          <p:cNvPr id="1026" name="Picture 2" descr="Working Effectively with Legacy Code">
+              <a:t>What is Legacy Code?</a:t>
+            </a:r>
+          </a:p>
+        </p:txBody>
+      </p:sp>
+      <p:sp>
+        <p:nvSpPr>
+          <p:cNvPr id="3" name="Content Placeholder 2">
             <a:extLst>
               <a:ext uri="{FF2B5EF4-FFF2-40B4-BE49-F238E27FC236}">
-                <a16:creationId xmlns:a16="http://schemas.microsoft.com/office/drawing/2014/main" id="{007C6576-3389-4961-E008-C76CB1DBDF75}"/>
+                <a16:creationId xmlns:a16="http://schemas.microsoft.com/office/drawing/2014/main" id="{C7615F81-9676-C6BF-E92E-12FF2D2D7023}"/>
               </a:ext>
             </a:extLst>
           </p:cNvPr>
-          <p:cNvPicPr>
-            <a:picLocks noGrp="1" noChangeAspect="1" noChangeArrowheads="1"/>
-          </p:cNvPicPr>
+          <p:cNvSpPr>
+            <a:spLocks noGrp="1"/>
+          </p:cNvSpPr>
           <p:nvPr>
             <p:ph idx="1"/>
           </p:nvPr>
-        </p:nvPicPr>
-        <p:blipFill>
-          <a:blip r:embed="rId2">
-            <a:extLst>
-              <a:ext uri="{28A0092B-C50C-407E-A947-70E740481C1C}">
-                <a14:useLocalDpi xmlns:a14="http://schemas.microsoft.com/office/drawing/2010/main" val="0"/>
-              </a:ext>
-            </a:extLst>
-          </a:blip>
-          <a:srcRect/>
-          <a:stretch>
-            <a:fillRect/>
-          </a:stretch>
-        </p:blipFill>
-        <p:spPr bwMode="auto">
-          <a:xfrm>
-            <a:off x="2863926" y="1600200"/>
-            <a:ext cx="3416148" cy="4525963"/>
-          </a:xfrm>
-          <a:prstGeom prst="rect">
-            <a:avLst/>
-          </a:prstGeom>
-          <a:noFill/>
-          <a:extLst>
-            <a:ext uri="{909E8E84-426E-40DD-AFC4-6F175D3DCCD1}">
-              <a14:hiddenFill xmlns:a14="http://schemas.microsoft.com/office/drawing/2010/main">
-                <a:solidFill>
-                  <a:srgbClr val="FFFFFF"/>
-                </a:solidFill>
-              </a14:hiddenFill>
-            </a:ext>
-          </a:extLst>
-        </p:spPr>
-      </p:pic>
+        </p:nvSpPr>
+        <p:spPr/>
+        <p:txBody>
+          <a:bodyPr>
+            <a:normAutofit/>
+          </a:bodyPr>
+          <a:lstStyle/>
+          <a:p>
+            <a:r>
+              <a:rPr lang="en-US" dirty="0">
+                <a:solidFill>
+                  <a:schemeClr val="accent1"/>
+                </a:solidFill>
+              </a:rPr>
+              <a:t>Legacy code often starts out as high quality code.</a:t>
+            </a:r>
+          </a:p>
+          <a:p>
+            <a:r>
+              <a:rPr lang="en-US" dirty="0">
+                <a:solidFill>
+                  <a:schemeClr val="accent1"/>
+                </a:solidFill>
+              </a:rPr>
+              <a:t>With time it degrades due to:</a:t>
+            </a:r>
+          </a:p>
+          <a:p>
+            <a:pPr lvl="1"/>
+            <a:r>
+              <a:rPr lang="en-US" dirty="0">
+                <a:solidFill>
+                  <a:schemeClr val="accent1"/>
+                </a:solidFill>
+              </a:rPr>
+              <a:t>Not enough tests</a:t>
+            </a:r>
+          </a:p>
+          <a:p>
+            <a:pPr lvl="1"/>
+            <a:r>
+              <a:rPr lang="en-US" dirty="0">
+                <a:solidFill>
+                  <a:schemeClr val="accent1"/>
+                </a:solidFill>
+              </a:rPr>
+              <a:t>“Quick and dirty” bug fixes</a:t>
+            </a:r>
+          </a:p>
+          <a:p>
+            <a:pPr lvl="1"/>
+            <a:r>
+              <a:rPr lang="en-US" dirty="0">
+                <a:solidFill>
+                  <a:schemeClr val="accent1"/>
+                </a:solidFill>
+              </a:rPr>
+              <a:t>Adding new features without redesigning as needed</a:t>
+            </a:r>
+          </a:p>
+        </p:txBody>
+      </p:sp>
     </p:spTree>
     <p:extLst>
       <p:ext uri="{BB962C8B-B14F-4D97-AF65-F5344CB8AC3E}">
-        <p14:creationId xmlns:p14="http://schemas.microsoft.com/office/powerpoint/2010/main" val="719403611"/>
+        <p14:creationId xmlns:p14="http://schemas.microsoft.com/office/powerpoint/2010/main" val="999641155"/>
       </p:ext>
     </p:extLst>
   </p:cSld>
@@ -5791,7 +6405,13 @@
   <p:cSld>
     <p:spTree>
       <p:nvGrpSpPr>
-        <p:cNvPr id="1" name=""/>
+        <p:cNvPr id="1" name="">
+          <a:extLst>
+            <a:ext uri="{FF2B5EF4-FFF2-40B4-BE49-F238E27FC236}">
+              <a16:creationId xmlns:a16="http://schemas.microsoft.com/office/drawing/2014/main" id="{F7210400-017A-1010-2452-93DC950BA295}"/>
+            </a:ext>
+          </a:extLst>
+        </p:cNvPr>
         <p:cNvGrpSpPr/>
         <p:nvPr/>
       </p:nvGrpSpPr>
@@ -5808,7 +6428,7 @@
           <p:cNvPr id="2" name="Title 1">
             <a:extLst>
               <a:ext uri="{FF2B5EF4-FFF2-40B4-BE49-F238E27FC236}">
-                <a16:creationId xmlns:a16="http://schemas.microsoft.com/office/drawing/2014/main" id="{A408EF2C-28C2-E91A-C26E-04E0A5A7543D}"/>
+                <a16:creationId xmlns:a16="http://schemas.microsoft.com/office/drawing/2014/main" id="{D739542D-7936-AC01-869F-ADB3089F2CF2}"/>
               </a:ext>
             </a:extLst>
           </p:cNvPr>
@@ -5838,7 +6458,7 @@
           <p:cNvPr id="3" name="Content Placeholder 2">
             <a:extLst>
               <a:ext uri="{FF2B5EF4-FFF2-40B4-BE49-F238E27FC236}">
-                <a16:creationId xmlns:a16="http://schemas.microsoft.com/office/drawing/2014/main" id="{C7615F81-9676-C6BF-E92E-12FF2D2D7023}"/>
+                <a16:creationId xmlns:a16="http://schemas.microsoft.com/office/drawing/2014/main" id="{99967581-F9D5-329D-0598-515A15C1FE83}"/>
               </a:ext>
             </a:extLst>
           </p:cNvPr>
@@ -5857,71 +6477,115 @@
           <a:lstStyle/>
           <a:p>
             <a:r>
-              <a:rPr lang="en-US" dirty="0"/>
+              <a:rPr lang="en-US" dirty="0">
+                <a:solidFill>
+                  <a:schemeClr val="accent2"/>
+                </a:solidFill>
+              </a:rPr>
               <a:t>Legacy code is often over complex due to </a:t>
             </a:r>
             <a:r>
-              <a:rPr lang="en-US" strike="sngStrike" dirty="0"/>
+              <a:rPr lang="en-US" strike="sngStrike" dirty="0">
+                <a:solidFill>
+                  <a:schemeClr val="accent2"/>
+                </a:solidFill>
+              </a:rPr>
               <a:t>quick and</a:t>
             </a:r>
             <a:r>
-              <a:rPr lang="en-US" dirty="0"/>
+              <a:rPr lang="en-US" dirty="0">
+                <a:solidFill>
+                  <a:schemeClr val="accent2"/>
+                </a:solidFill>
+              </a:rPr>
               <a:t> dirty changes made over time resulting in:</a:t>
             </a:r>
           </a:p>
           <a:p>
             <a:pPr lvl="1"/>
             <a:r>
-              <a:rPr lang="en-US" dirty="0"/>
+              <a:rPr lang="en-US" dirty="0">
+                <a:solidFill>
+                  <a:schemeClr val="accent2"/>
+                </a:solidFill>
+              </a:rPr>
               <a:t>Highly coupled components</a:t>
             </a:r>
           </a:p>
           <a:p>
             <a:pPr lvl="1"/>
             <a:r>
-              <a:rPr lang="en-US" dirty="0"/>
+              <a:rPr lang="en-US" dirty="0">
+                <a:solidFill>
+                  <a:schemeClr val="accent2"/>
+                </a:solidFill>
+              </a:rPr>
               <a:t>Violations of the Single Responsibility Principle</a:t>
             </a:r>
           </a:p>
           <a:p>
             <a:pPr lvl="1"/>
             <a:r>
-              <a:rPr lang="en-US" dirty="0"/>
+              <a:rPr lang="en-US" dirty="0">
+                <a:solidFill>
+                  <a:schemeClr val="accent2"/>
+                </a:solidFill>
+              </a:rPr>
               <a:t>Violations of encapsulation</a:t>
             </a:r>
           </a:p>
           <a:p>
             <a:pPr lvl="1"/>
             <a:r>
-              <a:rPr lang="en-US" dirty="0"/>
+              <a:rPr lang="en-US" dirty="0">
+                <a:solidFill>
+                  <a:schemeClr val="accent2"/>
+                </a:solidFill>
+              </a:rPr>
               <a:t>Inheritance all over the place</a:t>
             </a:r>
           </a:p>
           <a:p>
             <a:r>
-              <a:rPr lang="en-US" dirty="0"/>
+              <a:rPr lang="en-US" dirty="0">
+                <a:solidFill>
+                  <a:schemeClr val="accent2"/>
+                </a:solidFill>
+              </a:rPr>
               <a:t>Our manager will not let us change legacy code because “If it works, don’t fix it”</a:t>
             </a:r>
           </a:p>
           <a:p>
             <a:r>
-              <a:rPr lang="en-US" dirty="0"/>
+              <a:rPr lang="en-US" dirty="0">
+                <a:solidFill>
+                  <a:schemeClr val="accent2"/>
+                </a:solidFill>
+              </a:rPr>
               <a:t>Legacy code typically does not have tests so we can’t safely change it, anyway.</a:t>
             </a:r>
           </a:p>
           <a:p>
-            <a:endParaRPr lang="en-US" dirty="0"/>
+            <a:endParaRPr lang="en-US" dirty="0">
+              <a:solidFill>
+                <a:schemeClr val="accent2"/>
+              </a:solidFill>
+            </a:endParaRPr>
           </a:p>
           <a:p>
             <a:pPr lvl="1"/>
-            <a:endParaRPr lang="en-US" dirty="0"/>
+            <a:endParaRPr lang="en-US" dirty="0">
+              <a:solidFill>
+                <a:schemeClr val="accent2"/>
+              </a:solidFill>
+            </a:endParaRPr>
           </a:p>
         </p:txBody>
       </p:sp>
     </p:spTree>
     <p:extLst>
       <p:ext uri="{BB962C8B-B14F-4D97-AF65-F5344CB8AC3E}">
-        <p14:creationId xmlns:p14="http://schemas.microsoft.com/office/powerpoint/2010/main" val="999641155"/>
+        <p14:creationId xmlns:p14="http://schemas.microsoft.com/office/powerpoint/2010/main" val="970414290"/>
       </p:ext>
     </p:extLst>
   </p:cSld>
@@ -6008,412 +6672,816 @@
           <a:lstStyle/>
           <a:p>
             <a:r>
-              <a:rPr lang="fr-FR" dirty="0"/>
+              <a:rPr lang="fr-FR" dirty="0">
+                <a:solidFill>
+                  <a:schemeClr val="accent1"/>
+                </a:solidFill>
+              </a:rPr>
               <a:t>Betty </a:t>
             </a:r>
             <a:r>
-              <a:rPr lang="fr-FR" dirty="0" err="1"/>
+              <a:rPr lang="fr-FR" dirty="0" err="1">
+                <a:solidFill>
+                  <a:schemeClr val="accent1"/>
+                </a:solidFill>
+              </a:rPr>
               <a:t>bought</a:t>
             </a:r>
             <a:r>
-              <a:rPr lang="fr-FR" dirty="0"/>
+              <a:rPr lang="fr-FR" dirty="0">
+                <a:solidFill>
+                  <a:schemeClr val="accent1"/>
+                </a:solidFill>
+              </a:rPr>
               <a:t> a bit of butter but the butter </a:t>
             </a:r>
             <a:r>
-              <a:rPr lang="fr-FR" dirty="0" err="1"/>
+              <a:rPr lang="fr-FR" dirty="0" err="1">
+                <a:solidFill>
+                  <a:schemeClr val="accent1"/>
+                </a:solidFill>
+              </a:rPr>
               <a:t>was</a:t>
             </a:r>
             <a:r>
-              <a:rPr lang="fr-FR" dirty="0"/>
+              <a:rPr lang="fr-FR" dirty="0">
+                <a:solidFill>
+                  <a:schemeClr val="accent1"/>
+                </a:solidFill>
+              </a:rPr>
               <a:t> bitter, </a:t>
             </a:r>
             <a:r>
-              <a:rPr lang="fr-FR" dirty="0" err="1"/>
+              <a:rPr lang="fr-FR" dirty="0" err="1">
+                <a:solidFill>
+                  <a:schemeClr val="accent1"/>
+                </a:solidFill>
+              </a:rPr>
               <a:t>so</a:t>
             </a:r>
             <a:r>
-              <a:rPr lang="fr-FR" dirty="0"/>
+              <a:rPr lang="fr-FR" dirty="0">
+                <a:solidFill>
+                  <a:schemeClr val="accent1"/>
+                </a:solidFill>
+              </a:rPr>
               <a:t> </a:t>
             </a:r>
             <a:r>
-              <a:rPr lang="fr-FR" dirty="0" err="1"/>
+              <a:rPr lang="fr-FR" dirty="0" err="1">
+                <a:solidFill>
+                  <a:schemeClr val="accent1"/>
+                </a:solidFill>
+              </a:rPr>
               <a:t>she</a:t>
             </a:r>
             <a:r>
-              <a:rPr lang="fr-FR" dirty="0"/>
+              <a:rPr lang="fr-FR" dirty="0">
+                <a:solidFill>
+                  <a:schemeClr val="accent1"/>
+                </a:solidFill>
+              </a:rPr>
               <a:t> </a:t>
             </a:r>
             <a:r>
-              <a:rPr lang="fr-FR" dirty="0" err="1"/>
+              <a:rPr lang="fr-FR" dirty="0" err="1">
+                <a:solidFill>
+                  <a:schemeClr val="accent1"/>
+                </a:solidFill>
+              </a:rPr>
               <a:t>bought</a:t>
             </a:r>
             <a:r>
-              <a:rPr lang="fr-FR" dirty="0"/>
+              <a:rPr lang="fr-FR" dirty="0">
+                <a:solidFill>
+                  <a:schemeClr val="accent1"/>
+                </a:solidFill>
+              </a:rPr>
               <a:t> a </a:t>
             </a:r>
             <a:r>
-              <a:rPr lang="fr-FR" dirty="0" err="1"/>
+              <a:rPr lang="fr-FR" dirty="0" err="1">
+                <a:solidFill>
+                  <a:schemeClr val="accent1"/>
+                </a:solidFill>
+              </a:rPr>
               <a:t>better</a:t>
             </a:r>
             <a:r>
-              <a:rPr lang="fr-FR" dirty="0"/>
+              <a:rPr lang="fr-FR" dirty="0">
+                <a:solidFill>
+                  <a:schemeClr val="accent1"/>
+                </a:solidFill>
+              </a:rPr>
               <a:t> bit of butter, put </a:t>
             </a:r>
             <a:r>
-              <a:rPr lang="fr-FR" dirty="0" err="1"/>
+              <a:rPr lang="fr-FR" dirty="0" err="1">
+                <a:solidFill>
+                  <a:schemeClr val="accent1"/>
+                </a:solidFill>
+              </a:rPr>
               <a:t>it</a:t>
             </a:r>
             <a:r>
-              <a:rPr lang="fr-FR" dirty="0"/>
+              <a:rPr lang="fr-FR" dirty="0">
+                <a:solidFill>
+                  <a:schemeClr val="accent1"/>
+                </a:solidFill>
+              </a:rPr>
               <a:t> </a:t>
             </a:r>
             <a:r>
-              <a:rPr lang="fr-FR" dirty="0" err="1"/>
+              <a:rPr lang="fr-FR" dirty="0" err="1">
+                <a:solidFill>
+                  <a:schemeClr val="accent1"/>
+                </a:solidFill>
+              </a:rPr>
               <a:t>with</a:t>
             </a:r>
             <a:r>
-              <a:rPr lang="fr-FR" dirty="0"/>
+              <a:rPr lang="fr-FR" dirty="0">
+                <a:solidFill>
+                  <a:schemeClr val="accent1"/>
+                </a:solidFill>
+              </a:rPr>
               <a:t> the bitter butter, and made the bitter butter </a:t>
             </a:r>
             <a:r>
-              <a:rPr lang="fr-FR" dirty="0" err="1"/>
+              <a:rPr lang="fr-FR" dirty="0" err="1">
+                <a:solidFill>
+                  <a:schemeClr val="accent1"/>
+                </a:solidFill>
+              </a:rPr>
               <a:t>better</a:t>
             </a:r>
             <a:r>
-              <a:rPr lang="fr-FR" dirty="0"/>
+              <a:rPr lang="fr-FR" dirty="0">
+                <a:solidFill>
+                  <a:schemeClr val="accent1"/>
+                </a:solidFill>
+              </a:rPr>
               <a:t>.</a:t>
             </a:r>
           </a:p>
           <a:p>
             <a:r>
-              <a:rPr lang="fr-FR" dirty="0"/>
+              <a:rPr lang="fr-FR" dirty="0">
+                <a:solidFill>
+                  <a:schemeClr val="accent1"/>
+                </a:solidFill>
+              </a:rPr>
               <a:t>The </a:t>
             </a:r>
             <a:r>
-              <a:rPr lang="fr-FR" dirty="0" err="1"/>
+              <a:rPr lang="fr-FR" dirty="0" err="1">
+                <a:solidFill>
+                  <a:schemeClr val="accent1"/>
+                </a:solidFill>
+              </a:rPr>
               <a:t>legacy</a:t>
             </a:r>
             <a:r>
-              <a:rPr lang="fr-FR" dirty="0"/>
+              <a:rPr lang="fr-FR" dirty="0">
+                <a:solidFill>
+                  <a:schemeClr val="accent1"/>
+                </a:solidFill>
+              </a:rPr>
               <a:t> code </a:t>
             </a:r>
             <a:r>
-              <a:rPr lang="fr-FR" dirty="0" err="1"/>
+              <a:rPr lang="fr-FR" dirty="0" err="1">
+                <a:solidFill>
+                  <a:schemeClr val="accent1"/>
+                </a:solidFill>
+              </a:rPr>
               <a:t>is</a:t>
             </a:r>
             <a:r>
-              <a:rPr lang="fr-FR" dirty="0"/>
+              <a:rPr lang="fr-FR" dirty="0">
+                <a:solidFill>
+                  <a:schemeClr val="accent1"/>
+                </a:solidFill>
+              </a:rPr>
               <a:t> bitter, </a:t>
             </a:r>
             <a:r>
-              <a:rPr lang="fr-FR" dirty="0" err="1"/>
+              <a:rPr lang="fr-FR" dirty="0" err="1">
+                <a:solidFill>
+                  <a:schemeClr val="accent1"/>
+                </a:solidFill>
+              </a:rPr>
               <a:t>so</a:t>
             </a:r>
             <a:r>
-              <a:rPr lang="fr-FR" dirty="0"/>
+              <a:rPr lang="fr-FR" dirty="0">
+                <a:solidFill>
+                  <a:schemeClr val="accent1"/>
+                </a:solidFill>
+              </a:rPr>
               <a:t> </a:t>
             </a:r>
             <a:r>
-              <a:rPr lang="fr-FR" dirty="0" err="1"/>
+              <a:rPr lang="fr-FR" dirty="0" err="1">
+                <a:solidFill>
+                  <a:schemeClr val="accent1"/>
+                </a:solidFill>
+              </a:rPr>
               <a:t>write</a:t>
             </a:r>
             <a:r>
-              <a:rPr lang="fr-FR" dirty="0"/>
+              <a:rPr lang="fr-FR" dirty="0">
+                <a:solidFill>
+                  <a:schemeClr val="accent1"/>
+                </a:solidFill>
+              </a:rPr>
               <a:t> new code, </a:t>
             </a:r>
             <a:r>
-              <a:rPr lang="fr-FR" dirty="0" err="1"/>
+              <a:rPr lang="fr-FR" dirty="0" err="1">
+                <a:solidFill>
+                  <a:schemeClr val="accent1"/>
+                </a:solidFill>
+              </a:rPr>
               <a:t>with</a:t>
             </a:r>
             <a:r>
-              <a:rPr lang="fr-FR" dirty="0"/>
+              <a:rPr lang="fr-FR" dirty="0">
+                <a:solidFill>
+                  <a:schemeClr val="accent1"/>
+                </a:solidFill>
+              </a:rPr>
               <a:t> tests </a:t>
             </a:r>
             <a:r>
-              <a:rPr lang="fr-FR" dirty="0" err="1"/>
+              <a:rPr lang="fr-FR" dirty="0" err="1">
+                <a:solidFill>
+                  <a:schemeClr val="accent1"/>
+                </a:solidFill>
+              </a:rPr>
               <a:t>that</a:t>
             </a:r>
             <a:r>
-              <a:rPr lang="fr-FR" dirty="0"/>
+              <a:rPr lang="fr-FR" dirty="0">
+                <a:solidFill>
+                  <a:schemeClr val="accent1"/>
+                </a:solidFill>
+              </a:rPr>
               <a:t> </a:t>
             </a:r>
             <a:r>
-              <a:rPr lang="fr-FR" dirty="0" err="1"/>
+              <a:rPr lang="fr-FR" dirty="0" err="1">
+                <a:solidFill>
+                  <a:schemeClr val="accent1"/>
+                </a:solidFill>
+              </a:rPr>
               <a:t>adheres</a:t>
             </a:r>
             <a:r>
-              <a:rPr lang="fr-FR" dirty="0"/>
+              <a:rPr lang="fr-FR" dirty="0">
+                <a:solidFill>
+                  <a:schemeClr val="accent1"/>
+                </a:solidFill>
+              </a:rPr>
               <a:t> to the </a:t>
             </a:r>
             <a:r>
-              <a:rPr lang="fr-FR" dirty="0" err="1"/>
+              <a:rPr lang="fr-FR" dirty="0" err="1">
+                <a:solidFill>
+                  <a:schemeClr val="accent1"/>
+                </a:solidFill>
+              </a:rPr>
               <a:t>principles</a:t>
             </a:r>
             <a:r>
-              <a:rPr lang="fr-FR" dirty="0"/>
+              <a:rPr lang="fr-FR" dirty="0">
+                <a:solidFill>
+                  <a:schemeClr val="accent1"/>
+                </a:solidFill>
+              </a:rPr>
               <a:t> </a:t>
             </a:r>
             <a:r>
-              <a:rPr lang="fr-FR" dirty="0" err="1"/>
+              <a:rPr lang="fr-FR" dirty="0" err="1">
+                <a:solidFill>
+                  <a:schemeClr val="accent1"/>
+                </a:solidFill>
+              </a:rPr>
               <a:t>we</a:t>
             </a:r>
             <a:r>
-              <a:rPr lang="fr-FR" dirty="0"/>
+              <a:rPr lang="fr-FR" dirty="0">
+                <a:solidFill>
+                  <a:schemeClr val="accent1"/>
+                </a:solidFill>
+              </a:rPr>
               <a:t> are </a:t>
             </a:r>
             <a:r>
-              <a:rPr lang="fr-FR" dirty="0" err="1"/>
+              <a:rPr lang="fr-FR" dirty="0" err="1">
+                <a:solidFill>
+                  <a:schemeClr val="accent1"/>
+                </a:solidFill>
+              </a:rPr>
               <a:t>learning</a:t>
             </a:r>
             <a:r>
-              <a:rPr lang="fr-FR" dirty="0"/>
+              <a:rPr lang="fr-FR" dirty="0">
+                <a:solidFill>
+                  <a:schemeClr val="accent1"/>
+                </a:solidFill>
+              </a:rPr>
               <a:t>, and </a:t>
             </a:r>
             <a:r>
-              <a:rPr lang="fr-FR" dirty="0" err="1"/>
+              <a:rPr lang="fr-FR" dirty="0" err="1">
+                <a:solidFill>
+                  <a:schemeClr val="accent1"/>
+                </a:solidFill>
+              </a:rPr>
               <a:t>your</a:t>
             </a:r>
             <a:r>
-              <a:rPr lang="fr-FR" dirty="0"/>
+              <a:rPr lang="fr-FR" dirty="0">
+                <a:solidFill>
+                  <a:schemeClr val="accent1"/>
+                </a:solidFill>
+              </a:rPr>
               <a:t> code base </a:t>
             </a:r>
             <a:r>
-              <a:rPr lang="fr-FR" dirty="0" err="1"/>
+              <a:rPr lang="fr-FR" dirty="0" err="1">
+                <a:solidFill>
+                  <a:schemeClr val="accent1"/>
+                </a:solidFill>
+              </a:rPr>
               <a:t>will</a:t>
             </a:r>
             <a:r>
-              <a:rPr lang="fr-FR" dirty="0"/>
+              <a:rPr lang="fr-FR" dirty="0">
+                <a:solidFill>
+                  <a:schemeClr val="accent1"/>
+                </a:solidFill>
+              </a:rPr>
               <a:t> </a:t>
             </a:r>
             <a:r>
-              <a:rPr lang="fr-FR" dirty="0" err="1"/>
+              <a:rPr lang="fr-FR" dirty="0" err="1">
+                <a:solidFill>
+                  <a:schemeClr val="accent1"/>
+                </a:solidFill>
+              </a:rPr>
               <a:t>incrementally</a:t>
             </a:r>
             <a:r>
-              <a:rPr lang="fr-FR" dirty="0"/>
+              <a:rPr lang="fr-FR" dirty="0">
+                <a:solidFill>
+                  <a:schemeClr val="accent1"/>
+                </a:solidFill>
+              </a:rPr>
               <a:t> </a:t>
             </a:r>
             <a:r>
-              <a:rPr lang="fr-FR" dirty="0" err="1"/>
+              <a:rPr lang="fr-FR" dirty="0" err="1">
+                <a:solidFill>
+                  <a:schemeClr val="accent1"/>
+                </a:solidFill>
+              </a:rPr>
               <a:t>improve</a:t>
             </a:r>
             <a:r>
-              <a:rPr lang="fr-FR" dirty="0"/>
+              <a:rPr lang="fr-FR" dirty="0">
+                <a:solidFill>
+                  <a:schemeClr val="accent1"/>
+                </a:solidFill>
+              </a:rPr>
               <a:t>.</a:t>
             </a:r>
           </a:p>
           <a:p>
             <a:r>
-              <a:rPr lang="fr-FR" dirty="0"/>
+              <a:rPr lang="fr-FR" dirty="0">
+                <a:solidFill>
+                  <a:schemeClr val="accent1"/>
+                </a:solidFill>
+              </a:rPr>
               <a:t>This </a:t>
             </a:r>
             <a:r>
-              <a:rPr lang="fr-FR" dirty="0" err="1"/>
+              <a:rPr lang="fr-FR" dirty="0" err="1">
+                <a:solidFill>
+                  <a:schemeClr val="accent1"/>
+                </a:solidFill>
+              </a:rPr>
               <a:t>is</a:t>
             </a:r>
             <a:r>
-              <a:rPr lang="fr-FR" dirty="0"/>
+              <a:rPr lang="fr-FR" dirty="0">
+                <a:solidFill>
+                  <a:schemeClr val="accent1"/>
+                </a:solidFill>
+              </a:rPr>
               <a:t> </a:t>
             </a:r>
             <a:r>
-              <a:rPr lang="fr-FR" dirty="0" err="1"/>
+              <a:rPr lang="fr-FR" dirty="0" err="1">
+                <a:solidFill>
+                  <a:schemeClr val="accent1"/>
+                </a:solidFill>
+              </a:rPr>
               <a:t>because</a:t>
             </a:r>
             <a:r>
-              <a:rPr lang="fr-FR" dirty="0"/>
+              <a:rPr lang="fr-FR" dirty="0">
+                <a:solidFill>
+                  <a:schemeClr val="accent1"/>
+                </a:solidFill>
+              </a:rPr>
               <a:t> the </a:t>
             </a:r>
             <a:r>
-              <a:rPr lang="fr-FR" dirty="0" err="1"/>
+              <a:rPr lang="fr-FR" dirty="0" err="1">
+                <a:solidFill>
+                  <a:schemeClr val="accent1"/>
+                </a:solidFill>
+              </a:rPr>
               <a:t>churn</a:t>
             </a:r>
             <a:r>
-              <a:rPr lang="fr-FR" dirty="0"/>
+              <a:rPr lang="fr-FR" dirty="0">
+                <a:solidFill>
+                  <a:schemeClr val="accent1"/>
+                </a:solidFill>
+              </a:rPr>
               <a:t> (rate of change) of code </a:t>
             </a:r>
             <a:r>
-              <a:rPr lang="fr-FR" dirty="0" err="1"/>
+              <a:rPr lang="fr-FR" dirty="0" err="1">
+                <a:solidFill>
+                  <a:schemeClr val="accent1"/>
+                </a:solidFill>
+              </a:rPr>
               <a:t>decreases</a:t>
             </a:r>
             <a:r>
-              <a:rPr lang="fr-FR" dirty="0"/>
+              <a:rPr lang="fr-FR" dirty="0">
+                <a:solidFill>
+                  <a:schemeClr val="accent1"/>
+                </a:solidFill>
+              </a:rPr>
               <a:t> </a:t>
             </a:r>
             <a:r>
-              <a:rPr lang="fr-FR" dirty="0" err="1"/>
+              <a:rPr lang="fr-FR" dirty="0" err="1">
+                <a:solidFill>
+                  <a:schemeClr val="accent1"/>
+                </a:solidFill>
+              </a:rPr>
               <a:t>with</a:t>
             </a:r>
             <a:r>
-              <a:rPr lang="fr-FR" dirty="0"/>
+              <a:rPr lang="fr-FR" dirty="0">
+                <a:solidFill>
+                  <a:schemeClr val="accent1"/>
+                </a:solidFill>
+              </a:rPr>
               <a:t> time </a:t>
             </a:r>
             <a:r>
-              <a:rPr lang="fr-FR" dirty="0" err="1"/>
+              <a:rPr lang="fr-FR" dirty="0" err="1">
+                <a:solidFill>
+                  <a:schemeClr val="accent1"/>
+                </a:solidFill>
+              </a:rPr>
               <a:t>so</a:t>
             </a:r>
             <a:r>
-              <a:rPr lang="fr-FR" dirty="0"/>
+              <a:rPr lang="fr-FR" dirty="0">
+                <a:solidFill>
+                  <a:schemeClr val="accent1"/>
+                </a:solidFill>
+              </a:rPr>
               <a:t> </a:t>
             </a:r>
             <a:r>
-              <a:rPr lang="fr-FR" dirty="0" err="1"/>
+              <a:rPr lang="fr-FR" dirty="0" err="1">
+                <a:solidFill>
+                  <a:schemeClr val="accent1"/>
+                </a:solidFill>
+              </a:rPr>
               <a:t>after</a:t>
             </a:r>
             <a:r>
-              <a:rPr lang="fr-FR" dirty="0"/>
+              <a:rPr lang="fr-FR" dirty="0">
+                <a:solidFill>
+                  <a:schemeClr val="accent1"/>
+                </a:solidFill>
+              </a:rPr>
               <a:t> a </a:t>
             </a:r>
             <a:r>
-              <a:rPr lang="fr-FR" dirty="0" err="1"/>
+              <a:rPr lang="fr-FR" dirty="0" err="1">
+                <a:solidFill>
+                  <a:schemeClr val="accent1"/>
+                </a:solidFill>
+              </a:rPr>
               <a:t>year</a:t>
             </a:r>
             <a:r>
-              <a:rPr lang="fr-FR" dirty="0"/>
+              <a:rPr lang="fr-FR" dirty="0">
+                <a:solidFill>
+                  <a:schemeClr val="accent1"/>
+                </a:solidFill>
+              </a:rPr>
               <a:t>, </a:t>
             </a:r>
             <a:r>
-              <a:rPr lang="fr-FR" dirty="0" err="1"/>
+              <a:rPr lang="fr-FR" dirty="0" err="1">
+                <a:solidFill>
+                  <a:schemeClr val="accent1"/>
+                </a:solidFill>
+              </a:rPr>
               <a:t>most</a:t>
             </a:r>
             <a:r>
-              <a:rPr lang="fr-FR" dirty="0"/>
+              <a:rPr lang="fr-FR" dirty="0">
+                <a:solidFill>
+                  <a:schemeClr val="accent1"/>
+                </a:solidFill>
+              </a:rPr>
               <a:t> of the code </a:t>
             </a:r>
             <a:r>
-              <a:rPr lang="fr-FR" dirty="0" err="1"/>
+              <a:rPr lang="fr-FR" dirty="0" err="1">
+                <a:solidFill>
+                  <a:schemeClr val="accent1"/>
+                </a:solidFill>
+              </a:rPr>
               <a:t>you</a:t>
             </a:r>
             <a:r>
-              <a:rPr lang="fr-FR" dirty="0"/>
+              <a:rPr lang="fr-FR" dirty="0">
+                <a:solidFill>
+                  <a:schemeClr val="accent1"/>
+                </a:solidFill>
+              </a:rPr>
               <a:t> </a:t>
             </a:r>
             <a:r>
-              <a:rPr lang="fr-FR" dirty="0" err="1"/>
+              <a:rPr lang="fr-FR" dirty="0" err="1">
+                <a:solidFill>
+                  <a:schemeClr val="accent1"/>
+                </a:solidFill>
+              </a:rPr>
               <a:t>will</a:t>
             </a:r>
             <a:r>
-              <a:rPr lang="fr-FR" dirty="0"/>
+              <a:rPr lang="fr-FR" dirty="0">
+                <a:solidFill>
+                  <a:schemeClr val="accent1"/>
+                </a:solidFill>
+              </a:rPr>
               <a:t> </a:t>
             </a:r>
             <a:r>
-              <a:rPr lang="fr-FR" dirty="0" err="1"/>
+              <a:rPr lang="fr-FR" dirty="0" err="1">
+                <a:solidFill>
+                  <a:schemeClr val="accent1"/>
+                </a:solidFill>
+              </a:rPr>
               <a:t>need</a:t>
             </a:r>
             <a:r>
-              <a:rPr lang="fr-FR" dirty="0"/>
+              <a:rPr lang="fr-FR" dirty="0">
+                <a:solidFill>
+                  <a:schemeClr val="accent1"/>
+                </a:solidFill>
+              </a:rPr>
               <a:t> to change </a:t>
             </a:r>
             <a:r>
-              <a:rPr lang="fr-FR" dirty="0" err="1"/>
+              <a:rPr lang="fr-FR" dirty="0" err="1">
+                <a:solidFill>
+                  <a:schemeClr val="accent1"/>
+                </a:solidFill>
+              </a:rPr>
               <a:t>will</a:t>
             </a:r>
             <a:r>
-              <a:rPr lang="fr-FR" dirty="0"/>
+              <a:rPr lang="fr-FR" dirty="0">
+                <a:solidFill>
+                  <a:schemeClr val="accent1"/>
+                </a:solidFill>
+              </a:rPr>
               <a:t> </a:t>
             </a:r>
             <a:r>
-              <a:rPr lang="fr-FR" dirty="0" err="1"/>
+              <a:rPr lang="fr-FR" dirty="0" err="1">
+                <a:solidFill>
+                  <a:schemeClr val="accent1"/>
+                </a:solidFill>
+              </a:rPr>
               <a:t>be</a:t>
             </a:r>
             <a:r>
-              <a:rPr lang="fr-FR" dirty="0"/>
+              <a:rPr lang="fr-FR" dirty="0">
+                <a:solidFill>
+                  <a:schemeClr val="accent1"/>
+                </a:solidFill>
+              </a:rPr>
               <a:t> new code.</a:t>
             </a:r>
           </a:p>
           <a:p>
             <a:r>
-              <a:rPr lang="fr-FR" dirty="0"/>
+              <a:rPr lang="fr-FR" dirty="0">
+                <a:solidFill>
+                  <a:schemeClr val="accent1"/>
+                </a:solidFill>
+              </a:rPr>
               <a:t>The challenge </a:t>
             </a:r>
             <a:r>
-              <a:rPr lang="fr-FR" dirty="0" err="1"/>
+              <a:rPr lang="fr-FR" dirty="0" err="1">
+                <a:solidFill>
+                  <a:schemeClr val="accent1"/>
+                </a:solidFill>
+              </a:rPr>
               <a:t>is</a:t>
             </a:r>
             <a:r>
-              <a:rPr lang="fr-FR" dirty="0"/>
+              <a:rPr lang="fr-FR" dirty="0">
+                <a:solidFill>
+                  <a:schemeClr val="accent1"/>
+                </a:solidFill>
+              </a:rPr>
               <a:t> </a:t>
             </a:r>
             <a:r>
-              <a:rPr lang="fr-FR" dirty="0" err="1"/>
+              <a:rPr lang="fr-FR" dirty="0" err="1">
+                <a:solidFill>
+                  <a:schemeClr val="accent1"/>
+                </a:solidFill>
+              </a:rPr>
               <a:t>then</a:t>
             </a:r>
             <a:r>
-              <a:rPr lang="fr-FR" dirty="0"/>
+              <a:rPr lang="fr-FR" dirty="0">
+                <a:solidFill>
+                  <a:schemeClr val="accent1"/>
+                </a:solidFill>
+              </a:rPr>
               <a:t> to </a:t>
             </a:r>
             <a:r>
-              <a:rPr lang="fr-FR" dirty="0" err="1"/>
+              <a:rPr lang="fr-FR" dirty="0" err="1">
+                <a:solidFill>
+                  <a:schemeClr val="accent1"/>
+                </a:solidFill>
+              </a:rPr>
               <a:t>make</a:t>
             </a:r>
             <a:r>
-              <a:rPr lang="fr-FR" dirty="0"/>
+              <a:rPr lang="fr-FR" dirty="0">
+                <a:solidFill>
+                  <a:schemeClr val="accent1"/>
+                </a:solidFill>
+              </a:rPr>
               <a:t> sure </a:t>
             </a:r>
             <a:r>
-              <a:rPr lang="fr-FR" dirty="0" err="1"/>
+              <a:rPr lang="fr-FR" dirty="0" err="1">
+                <a:solidFill>
+                  <a:schemeClr val="accent1"/>
+                </a:solidFill>
+              </a:rPr>
               <a:t>that</a:t>
             </a:r>
             <a:r>
-              <a:rPr lang="fr-FR" dirty="0"/>
+              <a:rPr lang="fr-FR" dirty="0">
+                <a:solidFill>
+                  <a:schemeClr val="accent1"/>
+                </a:solidFill>
+              </a:rPr>
               <a:t> the changes </a:t>
             </a:r>
             <a:r>
-              <a:rPr lang="fr-FR" dirty="0" err="1"/>
+              <a:rPr lang="fr-FR" dirty="0" err="1">
+                <a:solidFill>
+                  <a:schemeClr val="accent1"/>
+                </a:solidFill>
+              </a:rPr>
               <a:t>you</a:t>
             </a:r>
             <a:r>
-              <a:rPr lang="fr-FR" dirty="0"/>
+              <a:rPr lang="fr-FR" dirty="0">
+                <a:solidFill>
+                  <a:schemeClr val="accent1"/>
+                </a:solidFill>
+              </a:rPr>
               <a:t> </a:t>
             </a:r>
             <a:r>
-              <a:rPr lang="fr-FR" dirty="0" err="1"/>
+              <a:rPr lang="fr-FR" dirty="0" err="1">
+                <a:solidFill>
+                  <a:schemeClr val="accent1"/>
+                </a:solidFill>
+              </a:rPr>
               <a:t>make</a:t>
             </a:r>
             <a:r>
-              <a:rPr lang="fr-FR" dirty="0"/>
+              <a:rPr lang="fr-FR" dirty="0">
+                <a:solidFill>
+                  <a:schemeClr val="accent1"/>
+                </a:solidFill>
+              </a:rPr>
               <a:t> </a:t>
             </a:r>
             <a:r>
-              <a:rPr lang="fr-FR" dirty="0" err="1"/>
+              <a:rPr lang="fr-FR" dirty="0" err="1">
+                <a:solidFill>
+                  <a:schemeClr val="accent1"/>
+                </a:solidFill>
+              </a:rPr>
               <a:t>during</a:t>
             </a:r>
             <a:r>
-              <a:rPr lang="fr-FR" dirty="0"/>
+              <a:rPr lang="fr-FR" dirty="0">
+                <a:solidFill>
+                  <a:schemeClr val="accent1"/>
+                </a:solidFill>
+              </a:rPr>
               <a:t> the </a:t>
             </a:r>
             <a:r>
-              <a:rPr lang="fr-FR" dirty="0" err="1"/>
+              <a:rPr lang="fr-FR" dirty="0" err="1">
+                <a:solidFill>
+                  <a:schemeClr val="accent1"/>
+                </a:solidFill>
+              </a:rPr>
               <a:t>year</a:t>
             </a:r>
             <a:r>
-              <a:rPr lang="fr-FR" dirty="0"/>
+              <a:rPr lang="fr-FR" dirty="0">
+                <a:solidFill>
+                  <a:schemeClr val="accent1"/>
+                </a:solidFill>
+              </a:rPr>
               <a:t> </a:t>
             </a:r>
             <a:r>
-              <a:rPr lang="fr-FR" dirty="0" err="1"/>
+              <a:rPr lang="fr-FR" dirty="0" err="1">
+                <a:solidFill>
+                  <a:schemeClr val="accent1"/>
+                </a:solidFill>
+              </a:rPr>
               <a:t>preserve</a:t>
             </a:r>
             <a:r>
-              <a:rPr lang="fr-FR" dirty="0"/>
+              <a:rPr lang="fr-FR" dirty="0">
+                <a:solidFill>
+                  <a:schemeClr val="accent1"/>
+                </a:solidFill>
+              </a:rPr>
               <a:t> </a:t>
             </a:r>
             <a:r>
-              <a:rPr lang="fr-FR" dirty="0" err="1"/>
+              <a:rPr lang="fr-FR" dirty="0" err="1">
+                <a:solidFill>
+                  <a:schemeClr val="accent1"/>
+                </a:solidFill>
+              </a:rPr>
               <a:t>its</a:t>
             </a:r>
             <a:r>
-              <a:rPr lang="fr-FR" dirty="0"/>
+              <a:rPr lang="fr-FR" dirty="0">
+                <a:solidFill>
+                  <a:schemeClr val="accent1"/>
+                </a:solidFill>
+              </a:rPr>
               <a:t> </a:t>
             </a:r>
             <a:r>
-              <a:rPr lang="fr-FR" dirty="0" err="1"/>
+              <a:rPr lang="fr-FR" dirty="0" err="1">
+                <a:solidFill>
+                  <a:schemeClr val="accent1"/>
+                </a:solidFill>
+              </a:rPr>
               <a:t>quality</a:t>
             </a:r>
             <a:r>
-              <a:rPr lang="fr-FR" dirty="0"/>
+              <a:rPr lang="fr-FR" dirty="0">
+                <a:solidFill>
+                  <a:schemeClr val="accent1"/>
+                </a:solidFill>
+              </a:rPr>
               <a:t>.</a:t>
             </a:r>
-            <a:endParaRPr lang="en-US" dirty="0"/>
+            <a:endParaRPr lang="en-US" dirty="0">
+              <a:solidFill>
+                <a:schemeClr val="accent1"/>
+              </a:solidFill>
+            </a:endParaRPr>
           </a:p>
         </p:txBody>
       </p:sp>
@@ -6431,247 +7499,6 @@
 </file>
 
 <file path=ppt/slides/slide7.xml><?xml version="1.0" encoding="utf-8"?>
-<p:sld xmlns:a="http://schemas.openxmlformats.org/drawingml/2006/main" xmlns:r="http://schemas.openxmlformats.org/officeDocument/2006/relationships" xmlns:p="http://schemas.openxmlformats.org/presentationml/2006/main">
-  <p:cSld>
-    <p:spTree>
-      <p:nvGrpSpPr>
-        <p:cNvPr id="1" name=""/>
-        <p:cNvGrpSpPr/>
-        <p:nvPr/>
-      </p:nvGrpSpPr>
-      <p:grpSpPr>
-        <a:xfrm>
-          <a:off x="0" y="0"/>
-          <a:ext cx="0" cy="0"/>
-          <a:chOff x="0" y="0"/>
-          <a:chExt cx="0" cy="0"/>
-        </a:xfrm>
-      </p:grpSpPr>
-      <p:sp>
-        <p:nvSpPr>
-          <p:cNvPr id="2" name="Title 1">
-            <a:extLst>
-              <a:ext uri="{FF2B5EF4-FFF2-40B4-BE49-F238E27FC236}">
-                <a16:creationId xmlns:a16="http://schemas.microsoft.com/office/drawing/2014/main" id="{4109485F-DF97-51B1-F54A-A074DF53BC17}"/>
-              </a:ext>
-            </a:extLst>
-          </p:cNvPr>
-          <p:cNvSpPr>
-            <a:spLocks noGrp="1"/>
-          </p:cNvSpPr>
-          <p:nvPr>
-            <p:ph type="title"/>
-          </p:nvPr>
-        </p:nvSpPr>
-        <p:spPr/>
-        <p:txBody>
-          <a:bodyPr/>
-          <a:lstStyle/>
-          <a:p>
-            <a:r>
-              <a:rPr lang="fr-FR" dirty="0"/>
-              <a:t>Evolution of </a:t>
-            </a:r>
-            <a:r>
-              <a:rPr lang="fr-FR" dirty="0" err="1"/>
-              <a:t>Legacy</a:t>
-            </a:r>
-            <a:r>
-              <a:rPr lang="fr-FR" dirty="0"/>
-              <a:t> Code</a:t>
-            </a:r>
-            <a:endParaRPr lang="en-US" dirty="0"/>
-          </a:p>
-        </p:txBody>
-      </p:sp>
-      <p:pic>
-        <p:nvPicPr>
-          <p:cNvPr id="6" name="code_churn_animation">
-            <a:hlinkClick r:id="" action="ppaction://media"/>
-            <a:extLst>
-              <a:ext uri="{FF2B5EF4-FFF2-40B4-BE49-F238E27FC236}">
-                <a16:creationId xmlns:a16="http://schemas.microsoft.com/office/drawing/2014/main" id="{54519A68-A27D-6962-04FC-60AAFC1225A9}"/>
-              </a:ext>
-            </a:extLst>
-          </p:cNvPr>
-          <p:cNvPicPr>
-            <a:picLocks noGrp="1" noChangeAspect="1"/>
-          </p:cNvPicPr>
-          <p:nvPr>
-            <p:ph idx="1"/>
-            <a:videoFile r:link="rId2"/>
-            <p:extLst>
-              <p:ext uri="{DAA4B4D4-6D71-4841-9C94-3DE7FCFB9230}">
-                <p14:media xmlns:p14="http://schemas.microsoft.com/office/powerpoint/2010/main" r:link="rId1"/>
-              </p:ext>
-            </p:extLst>
-          </p:nvPr>
-        </p:nvPicPr>
-        <p:blipFill>
-          <a:blip r:embed="rId4"/>
-          <a:stretch>
-            <a:fillRect/>
-          </a:stretch>
-        </p:blipFill>
-        <p:spPr>
-          <a:xfrm>
-            <a:off x="-276224" y="1385888"/>
-            <a:ext cx="9572624" cy="4786312"/>
-          </a:xfrm>
-        </p:spPr>
-      </p:pic>
-    </p:spTree>
-    <p:extLst>
-      <p:ext uri="{BB962C8B-B14F-4D97-AF65-F5344CB8AC3E}">
-        <p14:creationId xmlns:p14="http://schemas.microsoft.com/office/powerpoint/2010/main" val="1950781714"/>
-      </p:ext>
-    </p:extLst>
-  </p:cSld>
-  <p:clrMapOvr>
-    <a:masterClrMapping/>
-  </p:clrMapOvr>
-  <p:timing>
-    <p:tnLst>
-      <p:par>
-        <p:cTn id="1" dur="indefinite" restart="never" nodeType="tmRoot">
-          <p:childTnLst>
-            <p:seq concurrent="1" nextAc="seek">
-              <p:cTn id="2" dur="indefinite" nodeType="mainSeq">
-                <p:childTnLst>
-                  <p:par>
-                    <p:cTn id="3" fill="hold">
-                      <p:stCondLst>
-                        <p:cond delay="indefinite"/>
-                        <p:cond evt="onBegin" delay="0">
-                          <p:tn val="2"/>
-                        </p:cond>
-                      </p:stCondLst>
-                      <p:childTnLst>
-                        <p:par>
-                          <p:cTn id="4" fill="hold">
-                            <p:stCondLst>
-                              <p:cond delay="0"/>
-                            </p:stCondLst>
-                            <p:childTnLst>
-                              <p:par>
-                                <p:cTn id="5" presetID="1" presetClass="mediacall" presetSubtype="0" fill="hold" nodeType="afterEffect">
-                                  <p:stCondLst>
-                                    <p:cond delay="0"/>
-                                  </p:stCondLst>
-                                  <p:childTnLst>
-                                    <p:cmd type="call" cmd="playFrom(0.0)">
-                                      <p:cBhvr>
-                                        <p:cTn id="6" dur="20000" fill="hold"/>
-                                        <p:tgtEl>
-                                          <p:spTgt spid="6"/>
-                                        </p:tgtEl>
-                                      </p:cBhvr>
-                                    </p:cmd>
-                                  </p:childTnLst>
-                                </p:cTn>
-                              </p:par>
-                            </p:childTnLst>
-                          </p:cTn>
-                        </p:par>
-                      </p:childTnLst>
-                    </p:cTn>
-                  </p:par>
-                </p:childTnLst>
-              </p:cTn>
-              <p:prevCondLst>
-                <p:cond evt="onPrev" delay="0">
-                  <p:tgtEl>
-                    <p:sldTgt/>
-                  </p:tgtEl>
-                </p:cond>
-              </p:prevCondLst>
-              <p:nextCondLst>
-                <p:cond evt="onNext" delay="0">
-                  <p:tgtEl>
-                    <p:sldTgt/>
-                  </p:tgtEl>
-                </p:cond>
-              </p:nextCondLst>
-            </p:seq>
-            <p:video>
-              <p:cMediaNode vol="80000">
-                <p:cTn id="7" repeatCount="indefinite" fill="hold" display="0">
-                  <p:stCondLst>
-                    <p:cond delay="indefinite"/>
-                  </p:stCondLst>
-                </p:cTn>
-                <p:tgtEl>
-                  <p:spTgt spid="6"/>
-                </p:tgtEl>
-              </p:cMediaNode>
-            </p:video>
-            <p:seq concurrent="1" nextAc="seek">
-              <p:cTn id="8" restart="whenNotActive" fill="hold" evtFilter="cancelBubble" nodeType="interactiveSeq">
-                <p:stCondLst>
-                  <p:cond evt="onClick" delay="0">
-                    <p:tgtEl>
-                      <p:spTgt spid="6"/>
-                    </p:tgtEl>
-                  </p:cond>
-                </p:stCondLst>
-                <p:endSync evt="end" delay="0">
-                  <p:rtn val="all"/>
-                </p:endSync>
-                <p:childTnLst>
-                  <p:par>
-                    <p:cTn id="9" fill="hold">
-                      <p:stCondLst>
-                        <p:cond delay="0"/>
-                      </p:stCondLst>
-                      <p:childTnLst>
-                        <p:par>
-                          <p:cTn id="10" fill="hold">
-                            <p:stCondLst>
-                              <p:cond delay="0"/>
-                            </p:stCondLst>
-                            <p:childTnLst>
-                              <p:par>
-                                <p:cTn id="11" presetID="2" presetClass="mediacall" presetSubtype="0" fill="hold" nodeType="clickEffect">
-                                  <p:stCondLst>
-                                    <p:cond delay="0"/>
-                                  </p:stCondLst>
-                                  <p:childTnLst>
-                                    <p:cmd type="call" cmd="togglePause">
-                                      <p:cBhvr>
-                                        <p:cTn id="12" dur="1" fill="hold"/>
-                                        <p:tgtEl>
-                                          <p:spTgt spid="6"/>
-                                        </p:tgtEl>
-                                      </p:cBhvr>
-                                    </p:cmd>
-                                  </p:childTnLst>
-                                </p:cTn>
-                              </p:par>
-                            </p:childTnLst>
-                          </p:cTn>
-                        </p:par>
-                      </p:childTnLst>
-                    </p:cTn>
-                  </p:par>
-                </p:childTnLst>
-              </p:cTn>
-              <p:nextCondLst>
-                <p:cond evt="onClick" delay="0">
-                  <p:tgtEl>
-                    <p:spTgt spid="6"/>
-                  </p:tgtEl>
-                </p:cond>
-              </p:nextCondLst>
-            </p:seq>
-          </p:childTnLst>
-        </p:cTn>
-      </p:par>
-    </p:tnLst>
-  </p:timing>
-</p:sld>
-</file>
-
-<file path=ppt/slides/slide8.xml><?xml version="1.0" encoding="utf-8"?>
 <p:sld xmlns:a="http://schemas.openxmlformats.org/drawingml/2006/main" xmlns:r="http://schemas.openxmlformats.org/officeDocument/2006/relationships" xmlns:p="http://schemas.openxmlformats.org/presentationml/2006/main">
   <p:cSld>
     <p:spTree>
@@ -6918,7 +7745,7 @@
 </p:sld>
 </file>
 
-<file path=ppt/slides/slide9.xml><?xml version="1.0" encoding="utf-8"?>
+<file path=ppt/slides/slide8.xml><?xml version="1.0" encoding="utf-8"?>
 <p:sld xmlns:a="http://schemas.openxmlformats.org/drawingml/2006/main" xmlns:r="http://schemas.openxmlformats.org/officeDocument/2006/relationships" xmlns:p="http://schemas.openxmlformats.org/presentationml/2006/main">
   <p:cSld>
     <p:spTree>
@@ -6966,7 +7793,7 @@
           <a:p>
             <a:r>
               <a:rPr lang="en-US" dirty="0"/>
-              <a:t>General Approach</a:t>
+              <a:t>Recommendations</a:t>
             </a:r>
           </a:p>
         </p:txBody>
@@ -6995,45 +7822,73 @@
           <a:lstStyle/>
           <a:p>
             <a:r>
-              <a:rPr lang="en-US" dirty="0"/>
-              <a:t>The approach is not to rewrite legacy code</a:t>
-            </a:r>
-          </a:p>
-          <a:p>
-            <a:r>
-              <a:rPr lang="en-US" dirty="0"/>
-              <a:t>There is generally no need, as it gets older:</a:t>
+              <a:rPr lang="en-US" dirty="0">
+                <a:solidFill>
+                  <a:schemeClr val="accent1"/>
+                </a:solidFill>
+              </a:rPr>
+              <a:t>There is often no need to rewrite legacy code</a:t>
+            </a:r>
+          </a:p>
+          <a:p>
+            <a:r>
+              <a:rPr lang="en-US" dirty="0">
+                <a:solidFill>
+                  <a:schemeClr val="accent1"/>
+                </a:solidFill>
+              </a:rPr>
+              <a:t>Because, as it gets older:</a:t>
             </a:r>
           </a:p>
           <a:p>
             <a:pPr lvl="1"/>
             <a:r>
-              <a:rPr lang="en-US" dirty="0"/>
-              <a:t>The need to maintain it decreases</a:t>
+              <a:rPr lang="en-US" dirty="0">
+                <a:solidFill>
+                  <a:schemeClr val="accent1"/>
+                </a:solidFill>
+              </a:rPr>
+              <a:t>Maintenance decreases (bugs get solved)</a:t>
             </a:r>
           </a:p>
           <a:p>
             <a:pPr lvl="1"/>
             <a:r>
-              <a:rPr lang="en-US" dirty="0"/>
+              <a:rPr lang="en-US" dirty="0">
+                <a:solidFill>
+                  <a:schemeClr val="accent1"/>
+                </a:solidFill>
+              </a:rPr>
               <a:t>The probability of breaking it increases.</a:t>
             </a:r>
           </a:p>
           <a:p>
             <a:r>
-              <a:rPr lang="en-US" dirty="0"/>
+              <a:rPr lang="en-US" dirty="0">
+                <a:solidFill>
+                  <a:schemeClr val="accent1"/>
+                </a:solidFill>
+              </a:rPr>
               <a:t>Make small incremental changes. </a:t>
             </a:r>
           </a:p>
           <a:p>
             <a:r>
-              <a:rPr lang="en-US" dirty="0"/>
+              <a:rPr lang="en-US" dirty="0">
+                <a:solidFill>
+                  <a:schemeClr val="accent1"/>
+                </a:solidFill>
+              </a:rPr>
               <a:t>Add a test, do some refactoring </a:t>
             </a:r>
           </a:p>
           <a:p>
             <a:r>
-              <a:rPr lang="en-US" dirty="0"/>
+              <a:rPr lang="en-US" dirty="0">
+                <a:solidFill>
+                  <a:schemeClr val="accent1"/>
+                </a:solidFill>
+              </a:rPr>
               <a:t>Add more tests</a:t>
             </a:r>
           </a:p>
@@ -7041,7 +7896,11 @@
             <a:pPr marL="0" indent="0">
               <a:buNone/>
             </a:pPr>
-            <a:endParaRPr lang="fr-FR" dirty="0"/>
+            <a:endParaRPr lang="fr-FR" dirty="0">
+              <a:solidFill>
+                <a:schemeClr val="accent1"/>
+              </a:solidFill>
+            </a:endParaRPr>
           </a:p>
         </p:txBody>
       </p:sp>
@@ -7049,6 +7908,479 @@
     <p:extLst>
       <p:ext uri="{BB962C8B-B14F-4D97-AF65-F5344CB8AC3E}">
         <p14:creationId xmlns:p14="http://schemas.microsoft.com/office/powerpoint/2010/main" val="1549179078"/>
+      </p:ext>
+    </p:extLst>
+  </p:cSld>
+  <p:clrMapOvr>
+    <a:masterClrMapping/>
+  </p:clrMapOvr>
+</p:sld>
+</file>
+
+<file path=ppt/slides/slide9.xml><?xml version="1.0" encoding="utf-8"?>
+<p:sld xmlns:a="http://schemas.openxmlformats.org/drawingml/2006/main" xmlns:r="http://schemas.openxmlformats.org/officeDocument/2006/relationships" xmlns:p="http://schemas.openxmlformats.org/presentationml/2006/main">
+  <p:cSld>
+    <p:spTree>
+      <p:nvGrpSpPr>
+        <p:cNvPr id="1" name="">
+          <a:extLst>
+            <a:ext uri="{FF2B5EF4-FFF2-40B4-BE49-F238E27FC236}">
+              <a16:creationId xmlns:a16="http://schemas.microsoft.com/office/drawing/2014/main" id="{F7F9E1CC-6EFC-7E09-DFF0-3F43E87F47E4}"/>
+            </a:ext>
+          </a:extLst>
+        </p:cNvPr>
+        <p:cNvGrpSpPr/>
+        <p:nvPr/>
+      </p:nvGrpSpPr>
+      <p:grpSpPr>
+        <a:xfrm>
+          <a:off x="0" y="0"/>
+          <a:ext cx="0" cy="0"/>
+          <a:chOff x="0" y="0"/>
+          <a:chExt cx="0" cy="0"/>
+        </a:xfrm>
+      </p:grpSpPr>
+      <p:sp>
+        <p:nvSpPr>
+          <p:cNvPr id="2" name="Title 1">
+            <a:extLst>
+              <a:ext uri="{FF2B5EF4-FFF2-40B4-BE49-F238E27FC236}">
+                <a16:creationId xmlns:a16="http://schemas.microsoft.com/office/drawing/2014/main" id="{472194C9-1D41-2BF5-10EF-31C2D9634B0C}"/>
+              </a:ext>
+            </a:extLst>
+          </p:cNvPr>
+          <p:cNvSpPr>
+            <a:spLocks noGrp="1"/>
+          </p:cNvSpPr>
+          <p:nvPr>
+            <p:ph type="title"/>
+          </p:nvPr>
+        </p:nvSpPr>
+        <p:spPr/>
+        <p:txBody>
+          <a:bodyPr>
+            <a:normAutofit/>
+          </a:bodyPr>
+          <a:lstStyle/>
+          <a:p>
+            <a:r>
+              <a:rPr lang="fr-FR" dirty="0" err="1"/>
+              <a:t>Sprout</a:t>
+            </a:r>
+            <a:r>
+              <a:rPr lang="fr-FR" dirty="0"/>
+              <a:t> Method or </a:t>
+            </a:r>
+            <a:r>
+              <a:rPr lang="fr-FR" dirty="0" err="1"/>
+              <a:t>Sprout</a:t>
+            </a:r>
+            <a:r>
+              <a:rPr lang="fr-FR" dirty="0"/>
+              <a:t> Class</a:t>
+            </a:r>
+          </a:p>
+        </p:txBody>
+      </p:sp>
+      <p:sp>
+        <p:nvSpPr>
+          <p:cNvPr id="3" name="Content Placeholder 2">
+            <a:extLst>
+              <a:ext uri="{FF2B5EF4-FFF2-40B4-BE49-F238E27FC236}">
+                <a16:creationId xmlns:a16="http://schemas.microsoft.com/office/drawing/2014/main" id="{FF9A0F39-F653-DF55-D65B-7525397BEE52}"/>
+              </a:ext>
+            </a:extLst>
+          </p:cNvPr>
+          <p:cNvSpPr>
+            <a:spLocks noGrp="1"/>
+          </p:cNvSpPr>
+          <p:nvPr>
+            <p:ph idx="1"/>
+          </p:nvPr>
+        </p:nvSpPr>
+        <p:spPr/>
+        <p:txBody>
+          <a:bodyPr>
+            <a:normAutofit lnSpcReduction="10000"/>
+          </a:bodyPr>
+          <a:lstStyle/>
+          <a:p>
+            <a:r>
+              <a:rPr lang="fr-FR" dirty="0" err="1">
+                <a:solidFill>
+                  <a:schemeClr val="accent1"/>
+                </a:solidFill>
+              </a:rPr>
+              <a:t>Create</a:t>
+            </a:r>
+            <a:r>
+              <a:rPr lang="fr-FR" dirty="0">
+                <a:solidFill>
+                  <a:schemeClr val="accent1"/>
+                </a:solidFill>
+              </a:rPr>
+              <a:t> new </a:t>
+            </a:r>
+            <a:r>
+              <a:rPr lang="fr-FR" dirty="0" err="1">
+                <a:solidFill>
+                  <a:schemeClr val="accent1"/>
+                </a:solidFill>
+              </a:rPr>
+              <a:t>functionality</a:t>
+            </a:r>
+            <a:r>
+              <a:rPr lang="fr-FR" dirty="0">
+                <a:solidFill>
+                  <a:schemeClr val="accent1"/>
+                </a:solidFill>
+              </a:rPr>
+              <a:t> in a new </a:t>
+            </a:r>
+            <a:r>
+              <a:rPr lang="fr-FR" dirty="0" err="1">
+                <a:solidFill>
+                  <a:schemeClr val="accent1"/>
+                </a:solidFill>
+              </a:rPr>
+              <a:t>method</a:t>
+            </a:r>
+            <a:r>
+              <a:rPr lang="fr-FR" dirty="0">
+                <a:solidFill>
+                  <a:schemeClr val="accent1"/>
+                </a:solidFill>
+              </a:rPr>
+              <a:t> or class.</a:t>
+            </a:r>
+          </a:p>
+          <a:p>
+            <a:r>
+              <a:rPr lang="fr-FR" dirty="0">
+                <a:solidFill>
+                  <a:schemeClr val="accent1"/>
+                </a:solidFill>
+              </a:rPr>
+              <a:t>Do not copy the style and </a:t>
+            </a:r>
+            <a:r>
+              <a:rPr lang="fr-FR" dirty="0" err="1">
+                <a:solidFill>
+                  <a:schemeClr val="accent1"/>
+                </a:solidFill>
+              </a:rPr>
+              <a:t>fallacies</a:t>
+            </a:r>
+            <a:r>
+              <a:rPr lang="fr-FR" dirty="0">
+                <a:solidFill>
+                  <a:schemeClr val="accent1"/>
+                </a:solidFill>
+              </a:rPr>
+              <a:t> of the </a:t>
+            </a:r>
+            <a:r>
+              <a:rPr lang="fr-FR" dirty="0" err="1">
+                <a:solidFill>
+                  <a:schemeClr val="accent1"/>
+                </a:solidFill>
+              </a:rPr>
+              <a:t>legacy</a:t>
+            </a:r>
+            <a:r>
+              <a:rPr lang="fr-FR" dirty="0">
+                <a:solidFill>
+                  <a:schemeClr val="accent1"/>
+                </a:solidFill>
+              </a:rPr>
+              <a:t> code. </a:t>
+            </a:r>
+            <a:r>
+              <a:rPr lang="en-US" dirty="0">
+                <a:solidFill>
+                  <a:schemeClr val="accent1"/>
+                </a:solidFill>
+              </a:rPr>
+              <a:t>Don’t mimic just for consistency.</a:t>
+            </a:r>
+            <a:endParaRPr lang="fr-FR" dirty="0">
+              <a:solidFill>
+                <a:schemeClr val="accent1"/>
+              </a:solidFill>
+            </a:endParaRPr>
+          </a:p>
+          <a:p>
+            <a:r>
+              <a:rPr lang="fr-FR" dirty="0" err="1">
+                <a:solidFill>
+                  <a:schemeClr val="accent1"/>
+                </a:solidFill>
+              </a:rPr>
+              <a:t>Modify</a:t>
+            </a:r>
+            <a:r>
+              <a:rPr lang="fr-FR" dirty="0">
+                <a:solidFill>
+                  <a:schemeClr val="accent1"/>
+                </a:solidFill>
+              </a:rPr>
+              <a:t> </a:t>
+            </a:r>
+            <a:r>
+              <a:rPr lang="fr-FR" dirty="0" err="1">
+                <a:solidFill>
+                  <a:schemeClr val="accent1"/>
+                </a:solidFill>
+              </a:rPr>
+              <a:t>just</a:t>
+            </a:r>
+            <a:r>
+              <a:rPr lang="fr-FR" dirty="0">
+                <a:solidFill>
+                  <a:schemeClr val="accent1"/>
+                </a:solidFill>
+              </a:rPr>
+              <a:t> a few </a:t>
+            </a:r>
+            <a:r>
+              <a:rPr lang="fr-FR" dirty="0" err="1">
+                <a:solidFill>
+                  <a:schemeClr val="accent1"/>
+                </a:solidFill>
+              </a:rPr>
+              <a:t>lines</a:t>
+            </a:r>
+            <a:r>
+              <a:rPr lang="fr-FR" dirty="0">
+                <a:solidFill>
+                  <a:schemeClr val="accent1"/>
+                </a:solidFill>
+              </a:rPr>
+              <a:t> </a:t>
+            </a:r>
+            <a:r>
+              <a:rPr lang="fr-FR" dirty="0" err="1">
+                <a:solidFill>
+                  <a:schemeClr val="accent1"/>
+                </a:solidFill>
+              </a:rPr>
+              <a:t>from</a:t>
+            </a:r>
+            <a:r>
+              <a:rPr lang="fr-FR" dirty="0">
+                <a:solidFill>
+                  <a:schemeClr val="accent1"/>
+                </a:solidFill>
+              </a:rPr>
+              <a:t> the </a:t>
+            </a:r>
+            <a:r>
+              <a:rPr lang="fr-FR" dirty="0" err="1">
+                <a:solidFill>
+                  <a:schemeClr val="accent1"/>
+                </a:solidFill>
+              </a:rPr>
+              <a:t>legacy</a:t>
+            </a:r>
+            <a:r>
+              <a:rPr lang="fr-FR" dirty="0">
+                <a:solidFill>
+                  <a:schemeClr val="accent1"/>
+                </a:solidFill>
+              </a:rPr>
+              <a:t> code </a:t>
+            </a:r>
+            <a:r>
+              <a:rPr lang="fr-FR" dirty="0" err="1">
+                <a:solidFill>
+                  <a:schemeClr val="accent1"/>
+                </a:solidFill>
+              </a:rPr>
+              <a:t>so</a:t>
+            </a:r>
+            <a:r>
+              <a:rPr lang="fr-FR" dirty="0">
+                <a:solidFill>
+                  <a:schemeClr val="accent1"/>
+                </a:solidFill>
+              </a:rPr>
+              <a:t> </a:t>
+            </a:r>
+            <a:r>
+              <a:rPr lang="fr-FR" dirty="0" err="1">
+                <a:solidFill>
+                  <a:schemeClr val="accent1"/>
+                </a:solidFill>
+              </a:rPr>
+              <a:t>it</a:t>
+            </a:r>
+            <a:r>
+              <a:rPr lang="fr-FR" dirty="0">
+                <a:solidFill>
+                  <a:schemeClr val="accent1"/>
+                </a:solidFill>
+              </a:rPr>
+              <a:t> can call the new code.</a:t>
+            </a:r>
+          </a:p>
+          <a:p>
+            <a:r>
+              <a:rPr lang="fr-FR" dirty="0" err="1">
+                <a:solidFill>
+                  <a:schemeClr val="accent1"/>
+                </a:solidFill>
+              </a:rPr>
+              <a:t>Demonstrate</a:t>
+            </a:r>
+            <a:r>
+              <a:rPr lang="fr-FR" dirty="0">
+                <a:solidFill>
+                  <a:schemeClr val="accent1"/>
+                </a:solidFill>
+              </a:rPr>
+              <a:t> in a </a:t>
+            </a:r>
+            <a:r>
+              <a:rPr lang="fr-FR" dirty="0" err="1">
+                <a:solidFill>
+                  <a:schemeClr val="accent1"/>
+                </a:solidFill>
+              </a:rPr>
+              <a:t>review</a:t>
+            </a:r>
+            <a:r>
+              <a:rPr lang="fr-FR" dirty="0">
+                <a:solidFill>
+                  <a:schemeClr val="accent1"/>
+                </a:solidFill>
+              </a:rPr>
+              <a:t> </a:t>
+            </a:r>
+            <a:r>
+              <a:rPr lang="fr-FR" dirty="0" err="1">
+                <a:solidFill>
+                  <a:schemeClr val="accent1"/>
+                </a:solidFill>
+              </a:rPr>
+              <a:t>that</a:t>
+            </a:r>
+            <a:r>
+              <a:rPr lang="fr-FR" dirty="0">
+                <a:solidFill>
+                  <a:schemeClr val="accent1"/>
+                </a:solidFill>
+              </a:rPr>
+              <a:t> </a:t>
+            </a:r>
+          </a:p>
+          <a:p>
+            <a:pPr lvl="1"/>
+            <a:r>
+              <a:rPr lang="fr-FR" dirty="0">
+                <a:solidFill>
+                  <a:schemeClr val="accent1"/>
+                </a:solidFill>
+              </a:rPr>
+              <a:t>The changes to the </a:t>
+            </a:r>
+            <a:r>
+              <a:rPr lang="fr-FR" dirty="0" err="1">
+                <a:solidFill>
+                  <a:schemeClr val="accent1"/>
+                </a:solidFill>
+              </a:rPr>
+              <a:t>existing</a:t>
+            </a:r>
+            <a:r>
+              <a:rPr lang="fr-FR" dirty="0">
+                <a:solidFill>
+                  <a:schemeClr val="accent1"/>
+                </a:solidFill>
+              </a:rPr>
+              <a:t> code </a:t>
+            </a:r>
+            <a:r>
+              <a:rPr lang="fr-FR" dirty="0" err="1">
+                <a:solidFill>
+                  <a:schemeClr val="accent1"/>
+                </a:solidFill>
+              </a:rPr>
+              <a:t>were</a:t>
+            </a:r>
+            <a:r>
+              <a:rPr lang="fr-FR" dirty="0">
+                <a:solidFill>
+                  <a:schemeClr val="accent1"/>
+                </a:solidFill>
+              </a:rPr>
+              <a:t> minimal</a:t>
+            </a:r>
+          </a:p>
+          <a:p>
+            <a:pPr lvl="1"/>
+            <a:r>
+              <a:rPr lang="fr-FR" dirty="0">
+                <a:solidFill>
+                  <a:schemeClr val="accent1"/>
+                </a:solidFill>
+              </a:rPr>
+              <a:t>The new code </a:t>
+            </a:r>
+            <a:r>
+              <a:rPr lang="fr-FR" dirty="0" err="1">
+                <a:solidFill>
+                  <a:schemeClr val="accent1"/>
+                </a:solidFill>
+              </a:rPr>
+              <a:t>is</a:t>
+            </a:r>
+            <a:r>
+              <a:rPr lang="fr-FR" dirty="0">
+                <a:solidFill>
+                  <a:schemeClr val="accent1"/>
+                </a:solidFill>
+              </a:rPr>
+              <a:t> </a:t>
+            </a:r>
+            <a:r>
+              <a:rPr lang="fr-FR" dirty="0" err="1">
+                <a:solidFill>
+                  <a:schemeClr val="accent1"/>
+                </a:solidFill>
+              </a:rPr>
+              <a:t>well</a:t>
+            </a:r>
+            <a:r>
+              <a:rPr lang="fr-FR" dirty="0">
+                <a:solidFill>
+                  <a:schemeClr val="accent1"/>
+                </a:solidFill>
+              </a:rPr>
+              <a:t> </a:t>
+            </a:r>
+            <a:r>
+              <a:rPr lang="fr-FR" dirty="0" err="1">
+                <a:solidFill>
+                  <a:schemeClr val="accent1"/>
+                </a:solidFill>
+              </a:rPr>
+              <a:t>tested</a:t>
+            </a:r>
+            <a:r>
+              <a:rPr lang="fr-FR" dirty="0">
+                <a:solidFill>
+                  <a:schemeClr val="accent1"/>
+                </a:solidFill>
+              </a:rPr>
+              <a:t>.</a:t>
+            </a:r>
+          </a:p>
+        </p:txBody>
+      </p:sp>
+    </p:spTree>
+    <p:extLst>
+      <p:ext uri="{BB962C8B-B14F-4D97-AF65-F5344CB8AC3E}">
+        <p14:creationId xmlns:p14="http://schemas.microsoft.com/office/powerpoint/2010/main" val="674564074"/>
       </p:ext>
     </p:extLst>
   </p:cSld>
